--- a/Presentation/AIaaS_V3.pptx
+++ b/Presentation/AIaaS_V3.pptx
@@ -630,7 +630,7 @@
           <a:p>
             <a:fld id="{C80BDDE6-C8BE-4D7C-B2BD-211334837A5E}" type="datetimeFigureOut">
               <a:rPr lang="en-US" smtClean="0"/>
-              <a:t>10-May-23</a:t>
+              <a:t>11-May-23</a:t>
             </a:fld>
             <a:endParaRPr lang="en-US"/>
           </a:p>
@@ -926,7 +926,7 @@
           <a:p>
             <a:fld id="{C80BDDE6-C8BE-4D7C-B2BD-211334837A5E}" type="datetimeFigureOut">
               <a:rPr lang="en-US" smtClean="0"/>
-              <a:t>10-May-23</a:t>
+              <a:t>11-May-23</a:t>
             </a:fld>
             <a:endParaRPr lang="en-US"/>
           </a:p>
@@ -1174,7 +1174,7 @@
           <a:p>
             <a:fld id="{C80BDDE6-C8BE-4D7C-B2BD-211334837A5E}" type="datetimeFigureOut">
               <a:rPr lang="en-US" smtClean="0"/>
-              <a:t>10-May-23</a:t>
+              <a:t>11-May-23</a:t>
             </a:fld>
             <a:endParaRPr lang="en-US"/>
           </a:p>
@@ -1714,7 +1714,7 @@
           <a:p>
             <a:fld id="{C80BDDE6-C8BE-4D7C-B2BD-211334837A5E}" type="datetimeFigureOut">
               <a:rPr lang="en-US" smtClean="0"/>
-              <a:t>10-May-23</a:t>
+              <a:t>11-May-23</a:t>
             </a:fld>
             <a:endParaRPr lang="en-US"/>
           </a:p>
@@ -1962,7 +1962,7 @@
           <a:p>
             <a:fld id="{C80BDDE6-C8BE-4D7C-B2BD-211334837A5E}" type="datetimeFigureOut">
               <a:rPr lang="en-US" smtClean="0"/>
-              <a:t>10-May-23</a:t>
+              <a:t>11-May-23</a:t>
             </a:fld>
             <a:endParaRPr lang="en-US"/>
           </a:p>
@@ -2494,7 +2494,7 @@
           <a:p>
             <a:fld id="{C80BDDE6-C8BE-4D7C-B2BD-211334837A5E}" type="datetimeFigureOut">
               <a:rPr lang="en-US" smtClean="0"/>
-              <a:t>10-May-23</a:t>
+              <a:t>11-May-23</a:t>
             </a:fld>
             <a:endParaRPr lang="en-US"/>
           </a:p>
@@ -2791,7 +2791,7 @@
           <a:p>
             <a:fld id="{C80BDDE6-C8BE-4D7C-B2BD-211334837A5E}" type="datetimeFigureOut">
               <a:rPr lang="en-US" smtClean="0"/>
-              <a:t>10-May-23</a:t>
+              <a:t>11-May-23</a:t>
             </a:fld>
             <a:endParaRPr lang="en-US"/>
           </a:p>
@@ -2965,7 +2965,7 @@
           <a:p>
             <a:fld id="{C80BDDE6-C8BE-4D7C-B2BD-211334837A5E}" type="datetimeFigureOut">
               <a:rPr lang="en-US" smtClean="0"/>
-              <a:t>10-May-23</a:t>
+              <a:t>11-May-23</a:t>
             </a:fld>
             <a:endParaRPr lang="en-US"/>
           </a:p>
@@ -3145,7 +3145,7 @@
           <a:p>
             <a:fld id="{C80BDDE6-C8BE-4D7C-B2BD-211334837A5E}" type="datetimeFigureOut">
               <a:rPr lang="en-US" smtClean="0"/>
-              <a:t>10-May-23</a:t>
+              <a:t>11-May-23</a:t>
             </a:fld>
             <a:endParaRPr lang="en-US"/>
           </a:p>
@@ -3315,7 +3315,7 @@
           <a:p>
             <a:fld id="{C80BDDE6-C8BE-4D7C-B2BD-211334837A5E}" type="datetimeFigureOut">
               <a:rPr lang="en-US" smtClean="0"/>
-              <a:t>10-May-23</a:t>
+              <a:t>11-May-23</a:t>
             </a:fld>
             <a:endParaRPr lang="en-US"/>
           </a:p>
@@ -3566,7 +3566,7 @@
           <a:p>
             <a:fld id="{C80BDDE6-C8BE-4D7C-B2BD-211334837A5E}" type="datetimeFigureOut">
               <a:rPr lang="en-US" smtClean="0"/>
-              <a:t>10-May-23</a:t>
+              <a:t>11-May-23</a:t>
             </a:fld>
             <a:endParaRPr lang="en-US"/>
           </a:p>
@@ -3863,7 +3863,7 @@
           <a:p>
             <a:fld id="{C80BDDE6-C8BE-4D7C-B2BD-211334837A5E}" type="datetimeFigureOut">
               <a:rPr lang="en-US" smtClean="0"/>
-              <a:t>10-May-23</a:t>
+              <a:t>11-May-23</a:t>
             </a:fld>
             <a:endParaRPr lang="en-US"/>
           </a:p>
@@ -4305,7 +4305,7 @@
           <a:p>
             <a:fld id="{C80BDDE6-C8BE-4D7C-B2BD-211334837A5E}" type="datetimeFigureOut">
               <a:rPr lang="en-US" smtClean="0"/>
-              <a:t>10-May-23</a:t>
+              <a:t>11-May-23</a:t>
             </a:fld>
             <a:endParaRPr lang="en-US"/>
           </a:p>
@@ -4423,7 +4423,7 @@
           <a:p>
             <a:fld id="{C80BDDE6-C8BE-4D7C-B2BD-211334837A5E}" type="datetimeFigureOut">
               <a:rPr lang="en-US" smtClean="0"/>
-              <a:t>10-May-23</a:t>
+              <a:t>11-May-23</a:t>
             </a:fld>
             <a:endParaRPr lang="en-US"/>
           </a:p>
@@ -4518,7 +4518,7 @@
           <a:p>
             <a:fld id="{C80BDDE6-C8BE-4D7C-B2BD-211334837A5E}" type="datetimeFigureOut">
               <a:rPr lang="en-US" smtClean="0"/>
-              <a:t>10-May-23</a:t>
+              <a:t>11-May-23</a:t>
             </a:fld>
             <a:endParaRPr lang="en-US"/>
           </a:p>
@@ -4801,7 +4801,7 @@
           <a:p>
             <a:fld id="{C80BDDE6-C8BE-4D7C-B2BD-211334837A5E}" type="datetimeFigureOut">
               <a:rPr lang="en-US" smtClean="0"/>
-              <a:t>10-May-23</a:t>
+              <a:t>11-May-23</a:t>
             </a:fld>
             <a:endParaRPr lang="en-US"/>
           </a:p>
@@ -5092,7 +5092,7 @@
           <a:p>
             <a:fld id="{C80BDDE6-C8BE-4D7C-B2BD-211334837A5E}" type="datetimeFigureOut">
               <a:rPr lang="en-US" smtClean="0"/>
-              <a:t>10-May-23</a:t>
+              <a:t>11-May-23</a:t>
             </a:fld>
             <a:endParaRPr lang="en-US"/>
           </a:p>
@@ -5622,7 +5622,7 @@
           <a:p>
             <a:fld id="{C80BDDE6-C8BE-4D7C-B2BD-211334837A5E}" type="datetimeFigureOut">
               <a:rPr lang="en-US" smtClean="0"/>
-              <a:t>10-May-23</a:t>
+              <a:t>11-May-23</a:t>
             </a:fld>
             <a:endParaRPr lang="en-US"/>
           </a:p>
@@ -6298,8 +6298,8 @@
         </p:nvSpPr>
         <p:spPr>
           <a:xfrm>
-            <a:off x="2432482" y="2335014"/>
-            <a:ext cx="8211844" cy="2187971"/>
+            <a:off x="2352583" y="1936059"/>
+            <a:ext cx="8211844" cy="3783793"/>
           </a:xfrm>
           <a:prstGeom prst="rect">
             <a:avLst/>
@@ -6338,13 +6338,15 @@
             </a:endParaRPr>
           </a:p>
           <a:p>
-            <a:pPr lvl="1">
+            <a:pPr marL="742950" lvl="1" indent="-285750">
               <a:lnSpc>
                 <a:spcPct val="107000"/>
               </a:lnSpc>
               <a:spcAft>
                 <a:spcPts val="800"/>
               </a:spcAft>
+              <a:buFontTx/>
+              <a:buChar char="-"/>
             </a:pPr>
             <a:r>
               <a:rPr lang="en-US" kern="100" dirty="0">
@@ -6353,36 +6355,45 @@
                 <a:ea typeface="Calibri" panose="020F0502020204030204" pitchFamily="34" charset="0"/>
                 <a:cs typeface="Arial" panose="020B0604020202020204" pitchFamily="34" charset="0"/>
               </a:rPr>
-              <a:t>- Personalized marketing campaigns</a:t>
-            </a:r>
-          </a:p>
-          <a:p>
-            <a:pPr lvl="1">
+              <a:t>Bots</a:t>
+            </a:r>
+          </a:p>
+          <a:p>
+            <a:pPr marL="742950" lvl="1" indent="-285750">
               <a:lnSpc>
                 <a:spcPct val="107000"/>
               </a:lnSpc>
               <a:spcAft>
                 <a:spcPts val="800"/>
               </a:spcAft>
+              <a:buFontTx/>
+              <a:buChar char="-"/>
             </a:pPr>
             <a:r>
               <a:rPr lang="en-US" kern="100" dirty="0">
-                <a:effectLst/>
-                <a:latin typeface="Calibri" panose="020F0502020204030204" pitchFamily="34" charset="0"/>
-                <a:ea typeface="Calibri" panose="020F0502020204030204" pitchFamily="34" charset="0"/>
-                <a:cs typeface="Arial" panose="020B0604020202020204" pitchFamily="34" charset="0"/>
-              </a:rPr>
-              <a:t>- Fraud detection and prevention</a:t>
-            </a:r>
-          </a:p>
-          <a:p>
-            <a:pPr lvl="1">
+                <a:latin typeface="Calibri" panose="020F0502020204030204" pitchFamily="34" charset="0"/>
+                <a:ea typeface="Calibri" panose="020F0502020204030204" pitchFamily="34" charset="0"/>
+                <a:cs typeface="Arial" panose="020B0604020202020204" pitchFamily="34" charset="0"/>
+              </a:rPr>
+              <a:t>Logistics</a:t>
+            </a:r>
+            <a:endParaRPr lang="en-US" kern="100" dirty="0">
+              <a:effectLst/>
+              <a:latin typeface="Calibri" panose="020F0502020204030204" pitchFamily="34" charset="0"/>
+              <a:ea typeface="Calibri" panose="020F0502020204030204" pitchFamily="34" charset="0"/>
+              <a:cs typeface="Arial" panose="020B0604020202020204" pitchFamily="34" charset="0"/>
+            </a:endParaRPr>
+          </a:p>
+          <a:p>
+            <a:pPr marL="742950" lvl="1" indent="-285750">
               <a:lnSpc>
                 <a:spcPct val="107000"/>
               </a:lnSpc>
               <a:spcAft>
                 <a:spcPts val="800"/>
               </a:spcAft>
+              <a:buFontTx/>
+              <a:buChar char="-"/>
             </a:pPr>
             <a:r>
               <a:rPr lang="en-US" kern="100" dirty="0">
@@ -6391,27 +6402,118 @@
                 <a:ea typeface="Calibri" panose="020F0502020204030204" pitchFamily="34" charset="0"/>
                 <a:cs typeface="Arial" panose="020B0604020202020204" pitchFamily="34" charset="0"/>
               </a:rPr>
-              <a:t>- Intelligent chatbots</a:t>
-            </a:r>
-          </a:p>
-          <a:p>
-            <a:pPr lvl="1">
+              <a:t>Language Translation</a:t>
+            </a:r>
+          </a:p>
+          <a:p>
+            <a:pPr marL="742950" lvl="1" indent="-285750">
               <a:lnSpc>
                 <a:spcPct val="107000"/>
               </a:lnSpc>
               <a:spcAft>
                 <a:spcPts val="800"/>
               </a:spcAft>
+              <a:buFontTx/>
+              <a:buChar char="-"/>
             </a:pPr>
             <a:r>
               <a:rPr lang="en-US" kern="100" dirty="0">
-                <a:effectLst/>
-                <a:latin typeface="Calibri" panose="020F0502020204030204" pitchFamily="34" charset="0"/>
-                <a:ea typeface="Calibri" panose="020F0502020204030204" pitchFamily="34" charset="0"/>
-                <a:cs typeface="Arial" panose="020B0604020202020204" pitchFamily="34" charset="0"/>
-              </a:rPr>
-              <a:t>- Predictive maintenance in manufacturing</a:t>
-            </a:r>
+                <a:latin typeface="Calibri" panose="020F0502020204030204" pitchFamily="34" charset="0"/>
+                <a:ea typeface="Calibri" panose="020F0502020204030204" pitchFamily="34" charset="0"/>
+                <a:cs typeface="Arial" panose="020B0604020202020204" pitchFamily="34" charset="0"/>
+              </a:rPr>
+              <a:t>Assistance</a:t>
+            </a:r>
+          </a:p>
+          <a:p>
+            <a:pPr marL="742950" lvl="1" indent="-285750">
+              <a:lnSpc>
+                <a:spcPct val="107000"/>
+              </a:lnSpc>
+              <a:spcAft>
+                <a:spcPts val="800"/>
+              </a:spcAft>
+              <a:buFontTx/>
+              <a:buChar char="-"/>
+            </a:pPr>
+            <a:r>
+              <a:rPr lang="en-US" kern="100" dirty="0">
+                <a:effectLst/>
+                <a:latin typeface="Calibri" panose="020F0502020204030204" pitchFamily="34" charset="0"/>
+                <a:ea typeface="Calibri" panose="020F0502020204030204" pitchFamily="34" charset="0"/>
+                <a:cs typeface="Arial" panose="020B0604020202020204" pitchFamily="34" charset="0"/>
+              </a:rPr>
+              <a:t>Agents</a:t>
+            </a:r>
+          </a:p>
+          <a:p>
+            <a:pPr marL="742950" lvl="1" indent="-285750">
+              <a:lnSpc>
+                <a:spcPct val="107000"/>
+              </a:lnSpc>
+              <a:spcAft>
+                <a:spcPts val="800"/>
+              </a:spcAft>
+              <a:buFontTx/>
+              <a:buChar char="-"/>
+            </a:pPr>
+            <a:r>
+              <a:rPr lang="en-US" kern="100" dirty="0">
+                <a:effectLst/>
+                <a:latin typeface="Calibri" panose="020F0502020204030204" pitchFamily="34" charset="0"/>
+                <a:ea typeface="Calibri" panose="020F0502020204030204" pitchFamily="34" charset="0"/>
+                <a:cs typeface="Arial" panose="020B0604020202020204" pitchFamily="34" charset="0"/>
+              </a:rPr>
+              <a:t>Converters</a:t>
+            </a:r>
+          </a:p>
+          <a:p>
+            <a:pPr marL="742950" lvl="1" indent="-285750">
+              <a:lnSpc>
+                <a:spcPct val="107000"/>
+              </a:lnSpc>
+              <a:spcAft>
+                <a:spcPts val="800"/>
+              </a:spcAft>
+              <a:buFontTx/>
+              <a:buChar char="-"/>
+            </a:pPr>
+            <a:r>
+              <a:rPr lang="en-US" kern="100" dirty="0">
+                <a:effectLst/>
+                <a:latin typeface="Calibri" panose="020F0502020204030204" pitchFamily="34" charset="0"/>
+                <a:ea typeface="Calibri" panose="020F0502020204030204" pitchFamily="34" charset="0"/>
+                <a:cs typeface="Arial" panose="020B0604020202020204" pitchFamily="34" charset="0"/>
+              </a:rPr>
+              <a:t>Image improvers</a:t>
+            </a:r>
+          </a:p>
+          <a:p>
+            <a:pPr marL="742950" lvl="1" indent="-285750">
+              <a:lnSpc>
+                <a:spcPct val="107000"/>
+              </a:lnSpc>
+              <a:spcAft>
+                <a:spcPts val="800"/>
+              </a:spcAft>
+              <a:buFontTx/>
+              <a:buChar char="-"/>
+            </a:pPr>
+            <a:r>
+              <a:rPr lang="en-US" kern="100" dirty="0" err="1">
+                <a:effectLst/>
+                <a:latin typeface="Calibri" panose="020F0502020204030204" pitchFamily="34" charset="0"/>
+                <a:ea typeface="Calibri" panose="020F0502020204030204" pitchFamily="34" charset="0"/>
+                <a:cs typeface="Arial" panose="020B0604020202020204" pitchFamily="34" charset="0"/>
+              </a:rPr>
+              <a:t>etc</a:t>
+            </a:r>
+            <a:endParaRPr lang="en-US" kern="100" dirty="0">
+              <a:effectLst/>
+              <a:latin typeface="Calibri" panose="020F0502020204030204" pitchFamily="34" charset="0"/>
+              <a:ea typeface="Calibri" panose="020F0502020204030204" pitchFamily="34" charset="0"/>
+              <a:cs typeface="Arial" panose="020B0604020202020204" pitchFamily="34" charset="0"/>
+            </a:endParaRPr>
           </a:p>
         </p:txBody>
       </p:sp>
@@ -6602,7 +6704,7 @@
         <p:spPr>
           <a:xfrm>
             <a:off x="2432482" y="2335014"/>
-            <a:ext cx="6232125" cy="2586927"/>
+            <a:ext cx="6232125" cy="2985882"/>
           </a:xfrm>
           <a:prstGeom prst="rect">
             <a:avLst/>
@@ -6734,6 +6836,40 @@
               </a:rPr>
               <a:t>- Transportation</a:t>
             </a:r>
+          </a:p>
+          <a:p>
+            <a:pPr lvl="1">
+              <a:lnSpc>
+                <a:spcPct val="107000"/>
+              </a:lnSpc>
+              <a:spcAft>
+                <a:spcPts val="800"/>
+              </a:spcAft>
+            </a:pPr>
+            <a:r>
+              <a:rPr lang="en-US" kern="100" dirty="0">
+                <a:effectLst/>
+                <a:latin typeface="Calibri" panose="020F0502020204030204" pitchFamily="34" charset="0"/>
+                <a:ea typeface="Calibri" panose="020F0502020204030204" pitchFamily="34" charset="0"/>
+                <a:cs typeface="Arial" panose="020B0604020202020204" pitchFamily="34" charset="0"/>
+              </a:rPr>
+              <a:t>- </a:t>
+            </a:r>
+            <a:r>
+              <a:rPr lang="en-US" kern="100" dirty="0" err="1">
+                <a:effectLst/>
+                <a:latin typeface="Calibri" panose="020F0502020204030204" pitchFamily="34" charset="0"/>
+                <a:ea typeface="Calibri" panose="020F0502020204030204" pitchFamily="34" charset="0"/>
+                <a:cs typeface="Arial" panose="020B0604020202020204" pitchFamily="34" charset="0"/>
+              </a:rPr>
+              <a:t>etc</a:t>
+            </a:r>
+            <a:endParaRPr lang="en-US" kern="100" dirty="0">
+              <a:effectLst/>
+              <a:latin typeface="Calibri" panose="020F0502020204030204" pitchFamily="34" charset="0"/>
+              <a:ea typeface="Calibri" panose="020F0502020204030204" pitchFamily="34" charset="0"/>
+              <a:cs typeface="Arial" panose="020B0604020202020204" pitchFamily="34" charset="0"/>
+            </a:endParaRPr>
           </a:p>
         </p:txBody>
       </p:sp>
@@ -7415,7 +7551,7 @@
         <p:spPr>
           <a:xfrm>
             <a:off x="2432482" y="2335014"/>
-            <a:ext cx="7554897" cy="2085379"/>
+            <a:ext cx="7554897" cy="2883290"/>
           </a:xfrm>
           <a:prstGeom prst="rect">
             <a:avLst/>
@@ -7543,6 +7679,78 @@
               <a:ea typeface="Calibri" panose="020F0502020204030204" pitchFamily="34" charset="0"/>
               <a:cs typeface="Arial" panose="020B0604020202020204" pitchFamily="34" charset="0"/>
             </a:endParaRPr>
+          </a:p>
+          <a:p>
+            <a:pPr>
+              <a:lnSpc>
+                <a:spcPct val="107000"/>
+              </a:lnSpc>
+              <a:spcAft>
+                <a:spcPts val="800"/>
+              </a:spcAft>
+            </a:pPr>
+            <a:r>
+              <a:rPr lang="en-US" b="1" kern="100" dirty="0">
+                <a:latin typeface="Calibri" panose="020F0502020204030204" pitchFamily="34" charset="0"/>
+                <a:ea typeface="Calibri" panose="020F0502020204030204" pitchFamily="34" charset="0"/>
+                <a:cs typeface="Arial" panose="020B0604020202020204" pitchFamily="34" charset="0"/>
+              </a:rPr>
+              <a:t>	- also you can download slides from presentation </a:t>
+            </a:r>
+            <a:r>
+              <a:rPr lang="en-US" b="1" kern="100" dirty="0" err="1">
+                <a:latin typeface="Calibri" panose="020F0502020204030204" pitchFamily="34" charset="0"/>
+                <a:ea typeface="Calibri" panose="020F0502020204030204" pitchFamily="34" charset="0"/>
+                <a:cs typeface="Arial" panose="020B0604020202020204" pitchFamily="34" charset="0"/>
+              </a:rPr>
+              <a:t>dir</a:t>
+            </a:r>
+            <a:r>
+              <a:rPr lang="en-US" b="1" kern="100" dirty="0">
+                <a:latin typeface="Calibri" panose="020F0502020204030204" pitchFamily="34" charset="0"/>
+                <a:ea typeface="Calibri" panose="020F0502020204030204" pitchFamily="34" charset="0"/>
+                <a:cs typeface="Arial" panose="020B0604020202020204" pitchFamily="34" charset="0"/>
+              </a:rPr>
+              <a:t>:</a:t>
+            </a:r>
+          </a:p>
+          <a:p>
+            <a:pPr>
+              <a:lnSpc>
+                <a:spcPct val="107000"/>
+              </a:lnSpc>
+              <a:spcAft>
+                <a:spcPts val="800"/>
+              </a:spcAft>
+            </a:pPr>
+            <a:r>
+              <a:rPr lang="en-US" b="1" kern="100" dirty="0">
+                <a:effectLst/>
+                <a:latin typeface="Calibri" panose="020F0502020204030204" pitchFamily="34" charset="0"/>
+                <a:ea typeface="Calibri" panose="020F0502020204030204" pitchFamily="34" charset="0"/>
+                <a:cs typeface="Arial" panose="020B0604020202020204" pitchFamily="34" charset="0"/>
+              </a:rPr>
+              <a:t>		- </a:t>
+            </a:r>
+            <a:r>
+              <a:rPr lang="en-US" b="1" kern="100" dirty="0">
+                <a:effectLst/>
+                <a:latin typeface="Calibri" panose="020F0502020204030204" pitchFamily="34" charset="0"/>
+                <a:ea typeface="Calibri" panose="020F0502020204030204" pitchFamily="34" charset="0"/>
+                <a:cs typeface="Arial" panose="020B0604020202020204" pitchFamily="34" charset="0"/>
+                <a:hlinkClick r:id="rId3"/>
+              </a:rPr>
+              <a:t>https://github.com/SC-One/Simple_AIaaS</a:t>
+            </a:r>
+            <a:r>
+              <a:rPr lang="en-US" b="1" kern="100" dirty="0">
+                <a:effectLst/>
+                <a:latin typeface="Calibri" panose="020F0502020204030204" pitchFamily="34" charset="0"/>
+                <a:ea typeface="Calibri" panose="020F0502020204030204" pitchFamily="34" charset="0"/>
+                <a:cs typeface="Arial" panose="020B0604020202020204" pitchFamily="34" charset="0"/>
+              </a:rPr>
+              <a:t> </a:t>
+            </a:r>
           </a:p>
         </p:txBody>
       </p:sp>
@@ -7954,13 +8162,15 @@
             </a:endParaRPr>
           </a:p>
           <a:p>
-            <a:pPr lvl="1">
+            <a:pPr marL="800100" lvl="1" indent="-342900">
               <a:lnSpc>
                 <a:spcPct val="107000"/>
               </a:lnSpc>
               <a:spcAft>
                 <a:spcPts val="800"/>
               </a:spcAft>
+              <a:buFontTx/>
+              <a:buChar char="-"/>
             </a:pPr>
             <a:r>
               <a:rPr lang="en-US" sz="2400" kern="100" dirty="0">
@@ -7969,88 +8179,53 @@
                 <a:ea typeface="Calibri" panose="020F0502020204030204" pitchFamily="34" charset="0"/>
                 <a:cs typeface="Arial" panose="020B0604020202020204" pitchFamily="34" charset="0"/>
               </a:rPr>
-              <a:t>- Definition of </a:t>
-            </a:r>
-            <a:r>
-              <a:rPr lang="en-US" sz="2400" kern="100" dirty="0" err="1">
-                <a:effectLst/>
-                <a:latin typeface="Calibri" panose="020F0502020204030204" pitchFamily="34" charset="0"/>
-                <a:ea typeface="Calibri" panose="020F0502020204030204" pitchFamily="34" charset="0"/>
-                <a:cs typeface="Arial" panose="020B0604020202020204" pitchFamily="34" charset="0"/>
-              </a:rPr>
-              <a:t>AIaaS</a:t>
-            </a:r>
-            <a:endParaRPr lang="en-US" sz="2400" kern="100" dirty="0">
-              <a:effectLst/>
-              <a:latin typeface="Calibri" panose="020F0502020204030204" pitchFamily="34" charset="0"/>
-              <a:ea typeface="Calibri" panose="020F0502020204030204" pitchFamily="34" charset="0"/>
-              <a:cs typeface="Arial" panose="020B0604020202020204" pitchFamily="34" charset="0"/>
-            </a:endParaRPr>
-          </a:p>
-          <a:p>
-            <a:pPr lvl="1">
+              <a:t>Definition of Service</a:t>
+            </a:r>
+          </a:p>
+          <a:p>
+            <a:pPr marL="800100" lvl="1" indent="-342900">
               <a:lnSpc>
                 <a:spcPct val="107000"/>
               </a:lnSpc>
               <a:spcAft>
                 <a:spcPts val="800"/>
               </a:spcAft>
+              <a:buFontTx/>
+              <a:buChar char="-"/>
             </a:pPr>
             <a:r>
               <a:rPr lang="en-US" sz="2400" kern="100" dirty="0">
-                <a:effectLst/>
-                <a:latin typeface="Calibri" panose="020F0502020204030204" pitchFamily="34" charset="0"/>
-                <a:ea typeface="Calibri" panose="020F0502020204030204" pitchFamily="34" charset="0"/>
-                <a:cs typeface="Arial" panose="020B0604020202020204" pitchFamily="34" charset="0"/>
-              </a:rPr>
-              <a:t>- Examples of </a:t>
+                <a:latin typeface="Calibri" panose="020F0502020204030204" pitchFamily="34" charset="0"/>
+                <a:ea typeface="Calibri" panose="020F0502020204030204" pitchFamily="34" charset="0"/>
+                <a:cs typeface="Arial" panose="020B0604020202020204" pitchFamily="34" charset="0"/>
+              </a:rPr>
+              <a:t>Definition of </a:t>
             </a:r>
             <a:r>
               <a:rPr lang="en-US" sz="2400" kern="100" dirty="0" err="1">
-                <a:effectLst/>
                 <a:latin typeface="Calibri" panose="020F0502020204030204" pitchFamily="34" charset="0"/>
                 <a:ea typeface="Calibri" panose="020F0502020204030204" pitchFamily="34" charset="0"/>
                 <a:cs typeface="Arial" panose="020B0604020202020204" pitchFamily="34" charset="0"/>
               </a:rPr>
               <a:t>AIaaS</a:t>
             </a:r>
-            <a:r>
-              <a:rPr lang="en-US" sz="2400" kern="100" dirty="0">
-                <a:effectLst/>
-                <a:latin typeface="Calibri" panose="020F0502020204030204" pitchFamily="34" charset="0"/>
-                <a:ea typeface="Calibri" panose="020F0502020204030204" pitchFamily="34" charset="0"/>
-                <a:cs typeface="Arial" panose="020B0604020202020204" pitchFamily="34" charset="0"/>
-              </a:rPr>
-              <a:t> providers</a:t>
-            </a:r>
-          </a:p>
-          <a:p>
-            <a:pPr lvl="1">
+            <a:endParaRPr lang="en-US" sz="2400" kern="100" dirty="0">
+              <a:latin typeface="Calibri" panose="020F0502020204030204" pitchFamily="34" charset="0"/>
+              <a:ea typeface="Calibri" panose="020F0502020204030204" pitchFamily="34" charset="0"/>
+              <a:cs typeface="Arial" panose="020B0604020202020204" pitchFamily="34" charset="0"/>
+            </a:endParaRPr>
+          </a:p>
+          <a:p>
+            <a:pPr marL="800100" lvl="1" indent="-342900">
               <a:lnSpc>
                 <a:spcPct val="107000"/>
               </a:lnSpc>
               <a:spcAft>
                 <a:spcPts val="800"/>
               </a:spcAft>
+              <a:buFontTx/>
+              <a:buChar char="-"/>
             </a:pPr>
-            <a:r>
-              <a:rPr lang="en-US" sz="2400" kern="100" dirty="0">
-                <a:effectLst/>
-                <a:latin typeface="Calibri" panose="020F0502020204030204" pitchFamily="34" charset="0"/>
-                <a:ea typeface="Calibri" panose="020F0502020204030204" pitchFamily="34" charset="0"/>
-                <a:cs typeface="Arial" panose="020B0604020202020204" pitchFamily="34" charset="0"/>
-              </a:rPr>
-              <a:t>- Benefits of using </a:t>
-            </a:r>
-            <a:r>
-              <a:rPr lang="en-US" sz="2400" kern="100" dirty="0" err="1">
-                <a:effectLst/>
-                <a:latin typeface="Calibri" panose="020F0502020204030204" pitchFamily="34" charset="0"/>
-                <a:ea typeface="Calibri" panose="020F0502020204030204" pitchFamily="34" charset="0"/>
-                <a:cs typeface="Arial" panose="020B0604020202020204" pitchFamily="34" charset="0"/>
-              </a:rPr>
-              <a:t>AIaaS</a:t>
-            </a:r>
             <a:endParaRPr lang="en-US" sz="2400" kern="100" dirty="0">
               <a:effectLst/>
               <a:latin typeface="Calibri" panose="020F0502020204030204" pitchFamily="34" charset="0"/>
@@ -8394,7 +8569,7 @@
                 <a:ea typeface="Calibri" panose="020F0502020204030204" pitchFamily="34" charset="0"/>
                 <a:cs typeface="Arial" panose="020B0604020202020204" pitchFamily="34" charset="0"/>
               </a:rPr>
-              <a:t>- Speech-to-text</a:t>
+              <a:t>- Speech-to-text , …</a:t>
             </a:r>
           </a:p>
           <a:p>
@@ -8535,61 +8710,134 @@
             </a:r>
           </a:p>
           <a:p>
-            <a:pPr lvl="1">
+            <a:pPr marL="0" marR="0">
               <a:lnSpc>
                 <a:spcPct val="107000"/>
               </a:lnSpc>
+              <a:spcBef>
+                <a:spcPts val="0"/>
+              </a:spcBef>
               <a:spcAft>
                 <a:spcPts val="800"/>
               </a:spcAft>
             </a:pPr>
             <a:r>
               <a:rPr lang="en-US" kern="100" dirty="0">
-                <a:effectLst/>
-                <a:latin typeface="Calibri" panose="020F0502020204030204" pitchFamily="34" charset="0"/>
-                <a:ea typeface="Calibri" panose="020F0502020204030204" pitchFamily="34" charset="0"/>
-                <a:cs typeface="Arial" panose="020B0604020202020204" pitchFamily="34" charset="0"/>
-              </a:rPr>
-              <a:t>- Data preprocessing and feature engineering</a:t>
-            </a:r>
-          </a:p>
-          <a:p>
-            <a:pPr lvl="1">
+                <a:latin typeface="Calibri" panose="020F0502020204030204" pitchFamily="34" charset="0"/>
+                <a:ea typeface="Calibri" panose="020F0502020204030204" pitchFamily="34" charset="0"/>
+                <a:cs typeface="Arial" panose="020B0604020202020204" pitchFamily="34" charset="0"/>
+              </a:rPr>
+              <a:t>		- </a:t>
+            </a:r>
+            <a:r>
+              <a:rPr lang="en-US" kern="100" dirty="0" err="1">
+                <a:latin typeface="Calibri" panose="020F0502020204030204" pitchFamily="34" charset="0"/>
+                <a:ea typeface="Calibri" panose="020F0502020204030204" pitchFamily="34" charset="0"/>
+                <a:cs typeface="Arial" panose="020B0604020202020204" pitchFamily="34" charset="0"/>
+              </a:rPr>
+              <a:t>RestFull</a:t>
+            </a:r>
+            <a:r>
+              <a:rPr lang="en-US" kern="100" dirty="0">
+                <a:latin typeface="Calibri" panose="020F0502020204030204" pitchFamily="34" charset="0"/>
+                <a:ea typeface="Calibri" panose="020F0502020204030204" pitchFamily="34" charset="0"/>
+                <a:cs typeface="Arial" panose="020B0604020202020204" pitchFamily="34" charset="0"/>
+              </a:rPr>
+              <a:t> API</a:t>
+            </a:r>
+          </a:p>
+          <a:p>
+            <a:pPr marL="0" marR="0">
               <a:lnSpc>
                 <a:spcPct val="107000"/>
               </a:lnSpc>
+              <a:spcBef>
+                <a:spcPts val="0"/>
+              </a:spcBef>
               <a:spcAft>
                 <a:spcPts val="800"/>
               </a:spcAft>
             </a:pPr>
             <a:r>
-              <a:rPr lang="en-US" kern="100" dirty="0">
-                <a:effectLst/>
-                <a:latin typeface="Calibri" panose="020F0502020204030204" pitchFamily="34" charset="0"/>
-                <a:ea typeface="Calibri" panose="020F0502020204030204" pitchFamily="34" charset="0"/>
-                <a:cs typeface="Arial" panose="020B0604020202020204" pitchFamily="34" charset="0"/>
-              </a:rPr>
-              <a:t>- Model training and tuning</a:t>
-            </a:r>
-          </a:p>
-          <a:p>
-            <a:pPr lvl="1">
+              <a:rPr lang="en-US" sz="1800" kern="100" dirty="0">
+                <a:effectLst/>
+                <a:latin typeface="Calibri" panose="020F0502020204030204" pitchFamily="34" charset="0"/>
+                <a:ea typeface="Calibri" panose="020F0502020204030204" pitchFamily="34" charset="0"/>
+                <a:cs typeface="Arial" panose="020B0604020202020204" pitchFamily="34" charset="0"/>
+              </a:rPr>
+              <a:t>		- RPC (</a:t>
+            </a:r>
+            <a:r>
+              <a:rPr lang="en-US" sz="1800" kern="100" dirty="0" err="1">
+                <a:effectLst/>
+                <a:latin typeface="Calibri" panose="020F0502020204030204" pitchFamily="34" charset="0"/>
+                <a:ea typeface="Calibri" panose="020F0502020204030204" pitchFamily="34" charset="0"/>
+                <a:cs typeface="Arial" panose="020B0604020202020204" pitchFamily="34" charset="0"/>
+              </a:rPr>
+              <a:t>e.g</a:t>
+            </a:r>
+            <a:r>
+              <a:rPr lang="en-US" sz="1800" kern="100" dirty="0">
+                <a:effectLst/>
+                <a:latin typeface="Calibri" panose="020F0502020204030204" pitchFamily="34" charset="0"/>
+                <a:ea typeface="Calibri" panose="020F0502020204030204" pitchFamily="34" charset="0"/>
+                <a:cs typeface="Arial" panose="020B0604020202020204" pitchFamily="34" charset="0"/>
+              </a:rPr>
+              <a:t>: </a:t>
+            </a:r>
+            <a:r>
+              <a:rPr lang="en-US" sz="1800" kern="100" dirty="0" err="1">
+                <a:effectLst/>
+                <a:latin typeface="Calibri" panose="020F0502020204030204" pitchFamily="34" charset="0"/>
+                <a:ea typeface="Calibri" panose="020F0502020204030204" pitchFamily="34" charset="0"/>
+                <a:cs typeface="Arial" panose="020B0604020202020204" pitchFamily="34" charset="0"/>
+              </a:rPr>
+              <a:t>gRPC</a:t>
+            </a:r>
+            <a:r>
+              <a:rPr lang="en-US" sz="1800" kern="100" dirty="0">
+                <a:effectLst/>
+                <a:latin typeface="Calibri" panose="020F0502020204030204" pitchFamily="34" charset="0"/>
+                <a:ea typeface="Calibri" panose="020F0502020204030204" pitchFamily="34" charset="0"/>
+                <a:cs typeface="Arial" panose="020B0604020202020204" pitchFamily="34" charset="0"/>
+              </a:rPr>
+              <a:t>)</a:t>
+            </a:r>
+          </a:p>
+          <a:p>
+            <a:pPr marL="0" marR="0">
               <a:lnSpc>
                 <a:spcPct val="107000"/>
               </a:lnSpc>
+              <a:spcBef>
+                <a:spcPts val="0"/>
+              </a:spcBef>
               <a:spcAft>
                 <a:spcPts val="800"/>
               </a:spcAft>
             </a:pPr>
             <a:r>
               <a:rPr lang="en-US" kern="100" dirty="0">
-                <a:effectLst/>
-                <a:latin typeface="Calibri" panose="020F0502020204030204" pitchFamily="34" charset="0"/>
-                <a:ea typeface="Calibri" panose="020F0502020204030204" pitchFamily="34" charset="0"/>
-                <a:cs typeface="Arial" panose="020B0604020202020204" pitchFamily="34" charset="0"/>
-              </a:rPr>
-              <a:t>- Deployment and scaling</a:t>
-            </a:r>
+                <a:latin typeface="Calibri" panose="020F0502020204030204" pitchFamily="34" charset="0"/>
+                <a:ea typeface="Calibri" panose="020F0502020204030204" pitchFamily="34" charset="0"/>
+                <a:cs typeface="Arial" panose="020B0604020202020204" pitchFamily="34" charset="0"/>
+              </a:rPr>
+              <a:t>		- </a:t>
+            </a:r>
+            <a:r>
+              <a:rPr lang="en-US" kern="100" dirty="0" err="1">
+                <a:latin typeface="Calibri" panose="020F0502020204030204" pitchFamily="34" charset="0"/>
+                <a:ea typeface="Calibri" panose="020F0502020204030204" pitchFamily="34" charset="0"/>
+                <a:cs typeface="Arial" panose="020B0604020202020204" pitchFamily="34" charset="0"/>
+              </a:rPr>
+              <a:t>etc</a:t>
+            </a:r>
+            <a:endParaRPr lang="en-US" sz="1800" kern="100" dirty="0">
+              <a:effectLst/>
+              <a:latin typeface="Calibri" panose="020F0502020204030204" pitchFamily="34" charset="0"/>
+              <a:ea typeface="Calibri" panose="020F0502020204030204" pitchFamily="34" charset="0"/>
+              <a:cs typeface="Arial" panose="020B0604020202020204" pitchFamily="34" charset="0"/>
+            </a:endParaRPr>
           </a:p>
         </p:txBody>
       </p:sp>
@@ -8637,8 +8885,8 @@
         </p:nvSpPr>
         <p:spPr>
           <a:xfrm>
-            <a:off x="2432482" y="2335014"/>
-            <a:ext cx="6232125" cy="2586927"/>
+            <a:off x="2459115" y="1337626"/>
+            <a:ext cx="6232125" cy="4182748"/>
           </a:xfrm>
           <a:prstGeom prst="rect">
             <a:avLst/>
@@ -8773,6 +9021,84 @@
               </a:rPr>
               <a:t>- Access to advanced AI technologies</a:t>
             </a:r>
+          </a:p>
+          <a:p>
+            <a:pPr lvl="1">
+              <a:lnSpc>
+                <a:spcPct val="107000"/>
+              </a:lnSpc>
+              <a:spcAft>
+                <a:spcPts val="800"/>
+              </a:spcAft>
+            </a:pPr>
+            <a:r>
+              <a:rPr lang="en-US" kern="100" dirty="0">
+                <a:latin typeface="Calibri" panose="020F0502020204030204" pitchFamily="34" charset="0"/>
+                <a:ea typeface="Calibri" panose="020F0502020204030204" pitchFamily="34" charset="0"/>
+                <a:cs typeface="Arial" panose="020B0604020202020204" pitchFamily="34" charset="0"/>
+              </a:rPr>
+              <a:t>- Speed</a:t>
+            </a:r>
+          </a:p>
+          <a:p>
+            <a:pPr lvl="1">
+              <a:lnSpc>
+                <a:spcPct val="107000"/>
+              </a:lnSpc>
+              <a:spcAft>
+                <a:spcPts val="800"/>
+              </a:spcAft>
+            </a:pPr>
+            <a:r>
+              <a:rPr lang="en-US" kern="100" dirty="0">
+                <a:latin typeface="Calibri" panose="020F0502020204030204" pitchFamily="34" charset="0"/>
+                <a:ea typeface="Calibri" panose="020F0502020204030204" pitchFamily="34" charset="0"/>
+                <a:cs typeface="Arial" panose="020B0604020202020204" pitchFamily="34" charset="0"/>
+              </a:rPr>
+              <a:t>- High-tech Infrastructure Available</a:t>
+            </a:r>
+          </a:p>
+          <a:p>
+            <a:pPr lvl="1">
+              <a:lnSpc>
+                <a:spcPct val="107000"/>
+              </a:lnSpc>
+              <a:spcAft>
+                <a:spcPts val="800"/>
+              </a:spcAft>
+            </a:pPr>
+            <a:r>
+              <a:rPr lang="en-US" kern="100" dirty="0">
+                <a:latin typeface="Calibri" panose="020F0502020204030204" pitchFamily="34" charset="0"/>
+                <a:ea typeface="Calibri" panose="020F0502020204030204" pitchFamily="34" charset="0"/>
+                <a:cs typeface="Arial" panose="020B0604020202020204" pitchFamily="34" charset="0"/>
+              </a:rPr>
+              <a:t>- Usability</a:t>
+            </a:r>
+          </a:p>
+          <a:p>
+            <a:pPr lvl="1">
+              <a:lnSpc>
+                <a:spcPct val="107000"/>
+              </a:lnSpc>
+              <a:spcAft>
+                <a:spcPts val="800"/>
+              </a:spcAft>
+            </a:pPr>
+            <a:r>
+              <a:rPr lang="en-US" kern="100" dirty="0">
+                <a:latin typeface="Calibri" panose="020F0502020204030204" pitchFamily="34" charset="0"/>
+                <a:ea typeface="Calibri" panose="020F0502020204030204" pitchFamily="34" charset="0"/>
+                <a:cs typeface="Arial" panose="020B0604020202020204" pitchFamily="34" charset="0"/>
+              </a:rPr>
+              <a:t>- Scalability</a:t>
+            </a:r>
+            <a:endParaRPr lang="en-US" kern="100" dirty="0">
+              <a:effectLst/>
+              <a:latin typeface="Calibri" panose="020F0502020204030204" pitchFamily="34" charset="0"/>
+              <a:ea typeface="Calibri" panose="020F0502020204030204" pitchFamily="34" charset="0"/>
+              <a:cs typeface="Arial" panose="020B0604020202020204" pitchFamily="34" charset="0"/>
+            </a:endParaRPr>
           </a:p>
         </p:txBody>
       </p:sp>

--- a/Presentation/AIaaS_V3.pptx
+++ b/Presentation/AIaaS_V3.pptx
@@ -22,6 +22,7 @@
     <p:sldId id="270" r:id="rId16"/>
     <p:sldId id="271" r:id="rId17"/>
     <p:sldId id="272" r:id="rId18"/>
+    <p:sldId id="273" r:id="rId19"/>
   </p:sldIdLst>
   <p:sldSz cx="12192000" cy="6858000"/>
   <p:notesSz cx="6858000" cy="9144000"/>
@@ -7767,6 +7768,446 @@
 </p:sld>
 </file>
 
+<file path=ppt/slides/slide18.xml><?xml version="1.0" encoding="utf-8"?>
+<p:sld xmlns:a="http://schemas.openxmlformats.org/drawingml/2006/main" xmlns:r="http://schemas.openxmlformats.org/officeDocument/2006/relationships" xmlns:p="http://schemas.openxmlformats.org/presentationml/2006/main">
+  <p:cSld>
+    <p:spTree>
+      <p:nvGrpSpPr>
+        <p:cNvPr id="1" name=""/>
+        <p:cNvGrpSpPr/>
+        <p:nvPr/>
+      </p:nvGrpSpPr>
+      <p:grpSpPr>
+        <a:xfrm>
+          <a:off x="0" y="0"/>
+          <a:ext cx="0" cy="0"/>
+          <a:chOff x="0" y="0"/>
+          <a:chExt cx="0" cy="0"/>
+        </a:xfrm>
+      </p:grpSpPr>
+      <p:sp>
+        <p:nvSpPr>
+          <p:cNvPr id="4" name="TextBox 3">
+            <a:extLst>
+              <a:ext uri="{FF2B5EF4-FFF2-40B4-BE49-F238E27FC236}">
+                <a16:creationId xmlns:a16="http://schemas.microsoft.com/office/drawing/2014/main" id="{2818584A-8497-C0CD-263A-52ACC8DDB77C}"/>
+              </a:ext>
+            </a:extLst>
+          </p:cNvPr>
+          <p:cNvSpPr txBox="1"/>
+          <p:nvPr/>
+        </p:nvSpPr>
+        <p:spPr>
+          <a:xfrm>
+            <a:off x="2210540" y="271725"/>
+            <a:ext cx="9534617" cy="6314549"/>
+          </a:xfrm>
+          <a:prstGeom prst="rect">
+            <a:avLst/>
+          </a:prstGeom>
+          <a:noFill/>
+        </p:spPr>
+        <p:txBody>
+          <a:bodyPr wrap="square" rtlCol="0">
+            <a:spAutoFit/>
+          </a:bodyPr>
+          <a:lstStyle/>
+          <a:p>
+            <a:r>
+              <a:rPr lang="en-US" sz="4400" b="1" dirty="0">
+                <a:effectLst/>
+                <a:latin typeface="Calibri" panose="020F0502020204030204" pitchFamily="34" charset="0"/>
+                <a:ea typeface="Calibri" panose="020F0502020204030204" pitchFamily="34" charset="0"/>
+                <a:cs typeface="Arial" panose="020B0604020202020204" pitchFamily="34" charset="0"/>
+              </a:rPr>
+              <a:t>Talk is cheap , Show me the Service</a:t>
+            </a:r>
+          </a:p>
+          <a:p>
+            <a:endParaRPr lang="en-US" sz="4400" b="1" kern="100" dirty="0">
+              <a:latin typeface="Calibri" panose="020F0502020204030204" pitchFamily="34" charset="0"/>
+              <a:ea typeface="Calibri" panose="020F0502020204030204" pitchFamily="34" charset="0"/>
+              <a:cs typeface="Arial" panose="020B0604020202020204" pitchFamily="34" charset="0"/>
+            </a:endParaRPr>
+          </a:p>
+          <a:p>
+            <a:pPr>
+              <a:lnSpc>
+                <a:spcPct val="107000"/>
+              </a:lnSpc>
+              <a:spcAft>
+                <a:spcPts val="800"/>
+              </a:spcAft>
+            </a:pPr>
+            <a:r>
+              <a:rPr lang="en-US" kern="100" dirty="0">
+                <a:effectLst/>
+                <a:latin typeface="Calibri" panose="020F0502020204030204" pitchFamily="34" charset="0"/>
+                <a:ea typeface="Calibri" panose="020F0502020204030204" pitchFamily="34" charset="0"/>
+                <a:cs typeface="Arial" panose="020B0604020202020204" pitchFamily="34" charset="0"/>
+              </a:rPr>
+              <a:t>- </a:t>
+            </a:r>
+            <a:r>
+              <a:rPr lang="en-US" kern="100" dirty="0">
+                <a:latin typeface="Calibri" panose="020F0502020204030204" pitchFamily="34" charset="0"/>
+                <a:ea typeface="Calibri" panose="020F0502020204030204" pitchFamily="34" charset="0"/>
+                <a:cs typeface="Arial" panose="020B0604020202020204" pitchFamily="34" charset="0"/>
+              </a:rPr>
+              <a:t>The project: </a:t>
+            </a:r>
+            <a:r>
+              <a:rPr lang="en-US" kern="100" dirty="0">
+                <a:effectLst/>
+                <a:latin typeface="Calibri" panose="020F0502020204030204" pitchFamily="34" charset="0"/>
+                <a:ea typeface="Calibri" panose="020F0502020204030204" pitchFamily="34" charset="0"/>
+                <a:cs typeface="Arial" panose="020B0604020202020204" pitchFamily="34" charset="0"/>
+                <a:hlinkClick r:id="rId2"/>
+              </a:rPr>
+              <a:t>https://github.com/SC-One/Simple_AIaaS</a:t>
+            </a:r>
+            <a:r>
+              <a:rPr lang="en-US" kern="100" dirty="0">
+                <a:effectLst/>
+                <a:latin typeface="Calibri" panose="020F0502020204030204" pitchFamily="34" charset="0"/>
+                <a:ea typeface="Calibri" panose="020F0502020204030204" pitchFamily="34" charset="0"/>
+                <a:cs typeface="Arial" panose="020B0604020202020204" pitchFamily="34" charset="0"/>
+              </a:rPr>
+              <a:t> </a:t>
+            </a:r>
+          </a:p>
+          <a:p>
+            <a:pPr>
+              <a:lnSpc>
+                <a:spcPct val="107000"/>
+              </a:lnSpc>
+              <a:spcAft>
+                <a:spcPts val="800"/>
+              </a:spcAft>
+            </a:pPr>
+            <a:r>
+              <a:rPr lang="en-US" kern="100" dirty="0">
+                <a:latin typeface="Calibri" panose="020F0502020204030204" pitchFamily="34" charset="0"/>
+                <a:ea typeface="Calibri" panose="020F0502020204030204" pitchFamily="34" charset="0"/>
+                <a:cs typeface="Arial" panose="020B0604020202020204" pitchFamily="34" charset="0"/>
+              </a:rPr>
+              <a:t>	- </a:t>
+            </a:r>
+            <a:r>
+              <a:rPr lang="en-US" b="1" kern="100" dirty="0" err="1">
+                <a:latin typeface="Calibri" panose="020F0502020204030204" pitchFamily="34" charset="0"/>
+                <a:ea typeface="Calibri" panose="020F0502020204030204" pitchFamily="34" charset="0"/>
+                <a:cs typeface="Arial" panose="020B0604020202020204" pitchFamily="34" charset="0"/>
+              </a:rPr>
+              <a:t>gRPC</a:t>
+            </a:r>
+            <a:r>
+              <a:rPr lang="en-US" kern="100" dirty="0">
+                <a:latin typeface="Calibri" panose="020F0502020204030204" pitchFamily="34" charset="0"/>
+                <a:ea typeface="Calibri" panose="020F0502020204030204" pitchFamily="34" charset="0"/>
+                <a:cs typeface="Arial" panose="020B0604020202020204" pitchFamily="34" charset="0"/>
+              </a:rPr>
+              <a:t> is used for exposing APIs</a:t>
+            </a:r>
+          </a:p>
+          <a:p>
+            <a:pPr lvl="1">
+              <a:lnSpc>
+                <a:spcPct val="107000"/>
+              </a:lnSpc>
+              <a:spcAft>
+                <a:spcPts val="800"/>
+              </a:spcAft>
+            </a:pPr>
+            <a:r>
+              <a:rPr lang="en-US" kern="100" dirty="0">
+                <a:latin typeface="Calibri" panose="020F0502020204030204" pitchFamily="34" charset="0"/>
+                <a:ea typeface="Calibri" panose="020F0502020204030204" pitchFamily="34" charset="0"/>
+                <a:cs typeface="Arial" panose="020B0604020202020204" pitchFamily="34" charset="0"/>
+              </a:rPr>
+              <a:t>- Server is using:</a:t>
+            </a:r>
+          </a:p>
+          <a:p>
+            <a:pPr>
+              <a:lnSpc>
+                <a:spcPct val="107000"/>
+              </a:lnSpc>
+              <a:spcAft>
+                <a:spcPts val="800"/>
+              </a:spcAft>
+            </a:pPr>
+            <a:r>
+              <a:rPr lang="en-US" kern="100" dirty="0">
+                <a:effectLst/>
+                <a:latin typeface="Calibri" panose="020F0502020204030204" pitchFamily="34" charset="0"/>
+                <a:ea typeface="Calibri" panose="020F0502020204030204" pitchFamily="34" charset="0"/>
+                <a:cs typeface="Arial" panose="020B0604020202020204" pitchFamily="34" charset="0"/>
+              </a:rPr>
+              <a:t>		-</a:t>
+            </a:r>
+            <a:r>
+              <a:rPr lang="en-US" kern="100" dirty="0">
+                <a:latin typeface="Calibri" panose="020F0502020204030204" pitchFamily="34" charset="0"/>
+                <a:ea typeface="Calibri" panose="020F0502020204030204" pitchFamily="34" charset="0"/>
+                <a:cs typeface="Arial" panose="020B0604020202020204" pitchFamily="34" charset="0"/>
+              </a:rPr>
+              <a:t> </a:t>
+            </a:r>
+            <a:r>
+              <a:rPr lang="en-US" b="1" kern="100" dirty="0">
+                <a:latin typeface="Calibri" panose="020F0502020204030204" pitchFamily="34" charset="0"/>
+                <a:ea typeface="Calibri" panose="020F0502020204030204" pitchFamily="34" charset="0"/>
+                <a:cs typeface="Arial" panose="020B0604020202020204" pitchFamily="34" charset="0"/>
+              </a:rPr>
+              <a:t>darknet</a:t>
+            </a:r>
+            <a:r>
+              <a:rPr lang="en-US" kern="100" dirty="0">
+                <a:latin typeface="Calibri" panose="020F0502020204030204" pitchFamily="34" charset="0"/>
+                <a:ea typeface="Calibri" panose="020F0502020204030204" pitchFamily="34" charset="0"/>
+                <a:cs typeface="Arial" panose="020B0604020202020204" pitchFamily="34" charset="0"/>
+              </a:rPr>
+              <a:t>  that based on C language</a:t>
+            </a:r>
+          </a:p>
+          <a:p>
+            <a:pPr>
+              <a:lnSpc>
+                <a:spcPct val="107000"/>
+              </a:lnSpc>
+              <a:spcAft>
+                <a:spcPts val="800"/>
+              </a:spcAft>
+            </a:pPr>
+            <a:r>
+              <a:rPr lang="en-US" kern="100" dirty="0">
+                <a:latin typeface="Calibri" panose="020F0502020204030204" pitchFamily="34" charset="0"/>
+                <a:ea typeface="Calibri" panose="020F0502020204030204" pitchFamily="34" charset="0"/>
+                <a:cs typeface="Arial" panose="020B0604020202020204" pitchFamily="34" charset="0"/>
+              </a:rPr>
+              <a:t>		- </a:t>
+            </a:r>
+            <a:r>
+              <a:rPr lang="en-US" b="1" kern="100" dirty="0">
+                <a:latin typeface="Calibri" panose="020F0502020204030204" pitchFamily="34" charset="0"/>
+                <a:ea typeface="Calibri" panose="020F0502020204030204" pitchFamily="34" charset="0"/>
+                <a:cs typeface="Arial" panose="020B0604020202020204" pitchFamily="34" charset="0"/>
+              </a:rPr>
+              <a:t>Qt</a:t>
+            </a:r>
+          </a:p>
+          <a:p>
+            <a:pPr>
+              <a:lnSpc>
+                <a:spcPct val="107000"/>
+              </a:lnSpc>
+              <a:spcAft>
+                <a:spcPts val="800"/>
+              </a:spcAft>
+            </a:pPr>
+            <a:r>
+              <a:rPr lang="en-US" kern="100" dirty="0">
+                <a:effectLst/>
+                <a:latin typeface="Calibri" panose="020F0502020204030204" pitchFamily="34" charset="0"/>
+                <a:ea typeface="Calibri" panose="020F0502020204030204" pitchFamily="34" charset="0"/>
+                <a:cs typeface="Arial" panose="020B0604020202020204" pitchFamily="34" charset="0"/>
+              </a:rPr>
+              <a:t>		- </a:t>
+            </a:r>
+            <a:r>
+              <a:rPr lang="en-US" b="1" kern="100" dirty="0">
+                <a:effectLst/>
+                <a:latin typeface="Calibri" panose="020F0502020204030204" pitchFamily="34" charset="0"/>
+                <a:ea typeface="Calibri" panose="020F0502020204030204" pitchFamily="34" charset="0"/>
+                <a:cs typeface="Arial" panose="020B0604020202020204" pitchFamily="34" charset="0"/>
+              </a:rPr>
+              <a:t>C++ </a:t>
+            </a:r>
+            <a:r>
+              <a:rPr lang="en-US" kern="100" dirty="0">
+                <a:effectLst/>
+                <a:latin typeface="Calibri" panose="020F0502020204030204" pitchFamily="34" charset="0"/>
+                <a:ea typeface="Calibri" panose="020F0502020204030204" pitchFamily="34" charset="0"/>
+                <a:cs typeface="Arial" panose="020B0604020202020204" pitchFamily="34" charset="0"/>
+              </a:rPr>
+              <a:t>(whole of application)</a:t>
+            </a:r>
+          </a:p>
+          <a:p>
+            <a:pPr>
+              <a:lnSpc>
+                <a:spcPct val="107000"/>
+              </a:lnSpc>
+              <a:spcAft>
+                <a:spcPts val="800"/>
+              </a:spcAft>
+            </a:pPr>
+            <a:r>
+              <a:rPr lang="en-US" kern="100" dirty="0">
+                <a:latin typeface="Calibri" panose="020F0502020204030204" pitchFamily="34" charset="0"/>
+                <a:ea typeface="Calibri" panose="020F0502020204030204" pitchFamily="34" charset="0"/>
+                <a:cs typeface="Arial" panose="020B0604020202020204" pitchFamily="34" charset="0"/>
+              </a:rPr>
+              <a:t>		- pretrained Yolo3 weights that </a:t>
+            </a:r>
+            <a:r>
+              <a:rPr lang="en-US" sz="2000" b="1" kern="100" dirty="0">
+                <a:latin typeface="Calibri" panose="020F0502020204030204" pitchFamily="34" charset="0"/>
+                <a:ea typeface="Calibri" panose="020F0502020204030204" pitchFamily="34" charset="0"/>
+                <a:cs typeface="Arial" panose="020B0604020202020204" pitchFamily="34" charset="0"/>
+              </a:rPr>
+              <a:t>detecting object</a:t>
+            </a:r>
+          </a:p>
+          <a:p>
+            <a:pPr>
+              <a:lnSpc>
+                <a:spcPct val="107000"/>
+              </a:lnSpc>
+              <a:spcAft>
+                <a:spcPts val="800"/>
+              </a:spcAft>
+            </a:pPr>
+            <a:r>
+              <a:rPr lang="en-US" sz="2000" b="1" kern="100" dirty="0">
+                <a:latin typeface="Calibri" panose="020F0502020204030204" pitchFamily="34" charset="0"/>
+                <a:ea typeface="Calibri" panose="020F0502020204030204" pitchFamily="34" charset="0"/>
+                <a:cs typeface="Arial" panose="020B0604020202020204" pitchFamily="34" charset="0"/>
+              </a:rPr>
+              <a:t>	- </a:t>
+            </a:r>
+            <a:r>
+              <a:rPr lang="en-US" sz="2000" kern="100" dirty="0">
+                <a:latin typeface="Calibri" panose="020F0502020204030204" pitchFamily="34" charset="0"/>
+                <a:ea typeface="Calibri" panose="020F0502020204030204" pitchFamily="34" charset="0"/>
+                <a:cs typeface="Arial" panose="020B0604020202020204" pitchFamily="34" charset="0"/>
+              </a:rPr>
+              <a:t>docker file is also provided to run the server (in git repo)</a:t>
+            </a:r>
+          </a:p>
+          <a:p>
+            <a:pPr>
+              <a:lnSpc>
+                <a:spcPct val="107000"/>
+              </a:lnSpc>
+              <a:spcAft>
+                <a:spcPts val="800"/>
+              </a:spcAft>
+            </a:pPr>
+            <a:r>
+              <a:rPr lang="en-US" sz="2000" kern="100" dirty="0">
+                <a:latin typeface="Calibri" panose="020F0502020204030204" pitchFamily="34" charset="0"/>
+                <a:ea typeface="Calibri" panose="020F0502020204030204" pitchFamily="34" charset="0"/>
+                <a:cs typeface="Arial" panose="020B0604020202020204" pitchFamily="34" charset="0"/>
+              </a:rPr>
+              <a:t>	- also Docker image is build for Linux/AMD64 in </a:t>
+            </a:r>
+            <a:r>
+              <a:rPr lang="en-US" sz="2000" kern="100" dirty="0" err="1">
+                <a:latin typeface="Calibri" panose="020F0502020204030204" pitchFamily="34" charset="0"/>
+                <a:ea typeface="Calibri" panose="020F0502020204030204" pitchFamily="34" charset="0"/>
+                <a:cs typeface="Arial" panose="020B0604020202020204" pitchFamily="34" charset="0"/>
+              </a:rPr>
+              <a:t>dockerhub</a:t>
+            </a:r>
+            <a:r>
+              <a:rPr lang="en-US" sz="2000" kern="100" dirty="0">
+                <a:latin typeface="Calibri" panose="020F0502020204030204" pitchFamily="34" charset="0"/>
+                <a:ea typeface="Calibri" panose="020F0502020204030204" pitchFamily="34" charset="0"/>
+                <a:cs typeface="Arial" panose="020B0604020202020204" pitchFamily="34" charset="0"/>
+              </a:rPr>
+              <a:t> is available: </a:t>
+            </a:r>
+          </a:p>
+          <a:p>
+            <a:pPr>
+              <a:lnSpc>
+                <a:spcPct val="107000"/>
+              </a:lnSpc>
+              <a:spcAft>
+                <a:spcPts val="800"/>
+              </a:spcAft>
+            </a:pPr>
+            <a:r>
+              <a:rPr lang="en-US" sz="2000" kern="100" dirty="0">
+                <a:latin typeface="Calibri" panose="020F0502020204030204" pitchFamily="34" charset="0"/>
+                <a:ea typeface="Calibri" panose="020F0502020204030204" pitchFamily="34" charset="0"/>
+                <a:cs typeface="Arial" panose="020B0604020202020204" pitchFamily="34" charset="0"/>
+              </a:rPr>
+              <a:t>		 </a:t>
+            </a:r>
+            <a:r>
+              <a:rPr lang="en-US" sz="2000" kern="100" dirty="0">
+                <a:latin typeface="Calibri" panose="020F0502020204030204" pitchFamily="34" charset="0"/>
+                <a:ea typeface="Calibri" panose="020F0502020204030204" pitchFamily="34" charset="0"/>
+                <a:cs typeface="Arial" panose="020B0604020202020204" pitchFamily="34" charset="0"/>
+                <a:hlinkClick r:id="rId3"/>
+              </a:rPr>
+              <a:t>https://hub.docker.com/r/societycleaner/simple_ai_as_a_service/tags</a:t>
+            </a:r>
+            <a:endParaRPr lang="en-US" sz="2000" kern="100" dirty="0">
+              <a:latin typeface="Calibri" panose="020F0502020204030204" pitchFamily="34" charset="0"/>
+              <a:ea typeface="Calibri" panose="020F0502020204030204" pitchFamily="34" charset="0"/>
+              <a:cs typeface="Arial" panose="020B0604020202020204" pitchFamily="34" charset="0"/>
+            </a:endParaRPr>
+          </a:p>
+          <a:p>
+            <a:pPr>
+              <a:lnSpc>
+                <a:spcPct val="107000"/>
+              </a:lnSpc>
+              <a:spcAft>
+                <a:spcPts val="800"/>
+              </a:spcAft>
+            </a:pPr>
+            <a:r>
+              <a:rPr lang="en-US" sz="2000" kern="100" dirty="0">
+                <a:latin typeface="Calibri" panose="020F0502020204030204" pitchFamily="34" charset="0"/>
+                <a:ea typeface="Calibri" panose="020F0502020204030204" pitchFamily="34" charset="0"/>
+                <a:cs typeface="Arial" panose="020B0604020202020204" pitchFamily="34" charset="0"/>
+              </a:rPr>
+              <a:t>- </a:t>
+            </a:r>
+            <a:r>
+              <a:rPr lang="en-US" sz="2000" b="1" kern="100" dirty="0">
+                <a:latin typeface="Calibri" panose="020F0502020204030204" pitchFamily="34" charset="0"/>
+                <a:ea typeface="Calibri" panose="020F0502020204030204" pitchFamily="34" charset="0"/>
+                <a:cs typeface="Arial" panose="020B0604020202020204" pitchFamily="34" charset="0"/>
+              </a:rPr>
+              <a:t>Talking about challenges(in this project).</a:t>
+            </a:r>
+          </a:p>
+          <a:p>
+            <a:pPr>
+              <a:lnSpc>
+                <a:spcPct val="107000"/>
+              </a:lnSpc>
+              <a:spcAft>
+                <a:spcPts val="800"/>
+              </a:spcAft>
+            </a:pPr>
+            <a:endParaRPr lang="en-US" sz="2000" kern="100" dirty="0">
+              <a:latin typeface="Calibri" panose="020F0502020204030204" pitchFamily="34" charset="0"/>
+              <a:ea typeface="Calibri" panose="020F0502020204030204" pitchFamily="34" charset="0"/>
+              <a:cs typeface="Arial" panose="020B0604020202020204" pitchFamily="34" charset="0"/>
+            </a:endParaRPr>
+          </a:p>
+        </p:txBody>
+      </p:sp>
+    </p:spTree>
+    <p:extLst>
+      <p:ext uri="{BB962C8B-B14F-4D97-AF65-F5344CB8AC3E}">
+        <p14:creationId xmlns:p14="http://schemas.microsoft.com/office/powerpoint/2010/main" val="812313562"/>
+      </p:ext>
+    </p:extLst>
+  </p:cSld>
+  <p:clrMapOvr>
+    <a:masterClrMapping/>
+  </p:clrMapOvr>
+</p:sld>
+</file>
+
 <file path=ppt/slides/slide2.xml><?xml version="1.0" encoding="utf-8"?>
 <p:sld xmlns:a="http://schemas.openxmlformats.org/drawingml/2006/main" xmlns:r="http://schemas.openxmlformats.org/officeDocument/2006/relationships" xmlns:p="http://schemas.openxmlformats.org/presentationml/2006/main">
   <p:cSld>

--- a/Presentation/AIaaS_V3.pptx
+++ b/Presentation/AIaaS_V3.pptx
@@ -13,16 +13,17 @@
     <p:sldId id="261" r:id="rId7"/>
     <p:sldId id="262" r:id="rId8"/>
     <p:sldId id="263" r:id="rId9"/>
-    <p:sldId id="264" r:id="rId10"/>
-    <p:sldId id="265" r:id="rId11"/>
-    <p:sldId id="266" r:id="rId12"/>
-    <p:sldId id="267" r:id="rId13"/>
-    <p:sldId id="268" r:id="rId14"/>
-    <p:sldId id="269" r:id="rId15"/>
-    <p:sldId id="270" r:id="rId16"/>
-    <p:sldId id="271" r:id="rId17"/>
-    <p:sldId id="272" r:id="rId18"/>
-    <p:sldId id="273" r:id="rId19"/>
+    <p:sldId id="274" r:id="rId10"/>
+    <p:sldId id="264" r:id="rId11"/>
+    <p:sldId id="265" r:id="rId12"/>
+    <p:sldId id="266" r:id="rId13"/>
+    <p:sldId id="267" r:id="rId14"/>
+    <p:sldId id="268" r:id="rId15"/>
+    <p:sldId id="269" r:id="rId16"/>
+    <p:sldId id="270" r:id="rId17"/>
+    <p:sldId id="271" r:id="rId18"/>
+    <p:sldId id="272" r:id="rId19"/>
+    <p:sldId id="273" r:id="rId20"/>
   </p:sldIdLst>
   <p:sldSz cx="12192000" cy="6858000"/>
   <p:notesSz cx="6858000" cy="9144000"/>
@@ -6299,8 +6300,8 @@
         </p:nvSpPr>
         <p:spPr>
           <a:xfrm>
-            <a:off x="2352583" y="1936059"/>
-            <a:ext cx="8211844" cy="3783793"/>
+            <a:off x="2432482" y="2335014"/>
+            <a:ext cx="8273988" cy="1789016"/>
           </a:xfrm>
           <a:prstGeom prst="rect">
             <a:avLst/>
@@ -6320,7 +6321,7 @@
                 <a:ea typeface="Calibri" panose="020F0502020204030204" pitchFamily="34" charset="0"/>
                 <a:cs typeface="Arial" panose="020B0604020202020204" pitchFamily="34" charset="0"/>
               </a:rPr>
-              <a:t>Real-world examples of </a:t>
+              <a:t>Ethical considerations of </a:t>
             </a:r>
             <a:r>
               <a:rPr lang="en-US" sz="4000" b="1" dirty="0" err="1">
@@ -6339,15 +6340,13 @@
             </a:endParaRPr>
           </a:p>
           <a:p>
-            <a:pPr marL="742950" lvl="1" indent="-285750">
+            <a:pPr lvl="1">
               <a:lnSpc>
                 <a:spcPct val="107000"/>
               </a:lnSpc>
               <a:spcAft>
                 <a:spcPts val="800"/>
               </a:spcAft>
-              <a:buFontTx/>
-              <a:buChar char="-"/>
             </a:pPr>
             <a:r>
               <a:rPr lang="en-US" kern="100" dirty="0">
@@ -6356,45 +6355,36 @@
                 <a:ea typeface="Calibri" panose="020F0502020204030204" pitchFamily="34" charset="0"/>
                 <a:cs typeface="Arial" panose="020B0604020202020204" pitchFamily="34" charset="0"/>
               </a:rPr>
-              <a:t>Bots</a:t>
-            </a:r>
-          </a:p>
-          <a:p>
-            <a:pPr marL="742950" lvl="1" indent="-285750">
+              <a:t>- Algorithmic bias</a:t>
+            </a:r>
+          </a:p>
+          <a:p>
+            <a:pPr lvl="1">
               <a:lnSpc>
                 <a:spcPct val="107000"/>
               </a:lnSpc>
               <a:spcAft>
                 <a:spcPts val="800"/>
               </a:spcAft>
-              <a:buFontTx/>
-              <a:buChar char="-"/>
             </a:pPr>
             <a:r>
               <a:rPr lang="en-US" kern="100" dirty="0">
-                <a:latin typeface="Calibri" panose="020F0502020204030204" pitchFamily="34" charset="0"/>
-                <a:ea typeface="Calibri" panose="020F0502020204030204" pitchFamily="34" charset="0"/>
-                <a:cs typeface="Arial" panose="020B0604020202020204" pitchFamily="34" charset="0"/>
-              </a:rPr>
-              <a:t>Logistics</a:t>
-            </a:r>
-            <a:endParaRPr lang="en-US" kern="100" dirty="0">
-              <a:effectLst/>
-              <a:latin typeface="Calibri" panose="020F0502020204030204" pitchFamily="34" charset="0"/>
-              <a:ea typeface="Calibri" panose="020F0502020204030204" pitchFamily="34" charset="0"/>
-              <a:cs typeface="Arial" panose="020B0604020202020204" pitchFamily="34" charset="0"/>
-            </a:endParaRPr>
-          </a:p>
-          <a:p>
-            <a:pPr marL="742950" lvl="1" indent="-285750">
+                <a:effectLst/>
+                <a:latin typeface="Calibri" panose="020F0502020204030204" pitchFamily="34" charset="0"/>
+                <a:ea typeface="Calibri" panose="020F0502020204030204" pitchFamily="34" charset="0"/>
+                <a:cs typeface="Arial" panose="020B0604020202020204" pitchFamily="34" charset="0"/>
+              </a:rPr>
+              <a:t>- Responsibility of AI developers</a:t>
+            </a:r>
+          </a:p>
+          <a:p>
+            <a:pPr lvl="1">
               <a:lnSpc>
                 <a:spcPct val="107000"/>
               </a:lnSpc>
               <a:spcAft>
                 <a:spcPts val="800"/>
               </a:spcAft>
-              <a:buFontTx/>
-              <a:buChar char="-"/>
             </a:pPr>
             <a:r>
               <a:rPr lang="en-US" kern="100" dirty="0">
@@ -6403,125 +6393,15 @@
                 <a:ea typeface="Calibri" panose="020F0502020204030204" pitchFamily="34" charset="0"/>
                 <a:cs typeface="Arial" panose="020B0604020202020204" pitchFamily="34" charset="0"/>
               </a:rPr>
-              <a:t>Language Translation</a:t>
-            </a:r>
-          </a:p>
-          <a:p>
-            <a:pPr marL="742950" lvl="1" indent="-285750">
-              <a:lnSpc>
-                <a:spcPct val="107000"/>
-              </a:lnSpc>
-              <a:spcAft>
-                <a:spcPts val="800"/>
-              </a:spcAft>
-              <a:buFontTx/>
-              <a:buChar char="-"/>
-            </a:pPr>
-            <a:r>
-              <a:rPr lang="en-US" kern="100" dirty="0">
-                <a:latin typeface="Calibri" panose="020F0502020204030204" pitchFamily="34" charset="0"/>
-                <a:ea typeface="Calibri" panose="020F0502020204030204" pitchFamily="34" charset="0"/>
-                <a:cs typeface="Arial" panose="020B0604020202020204" pitchFamily="34" charset="0"/>
-              </a:rPr>
-              <a:t>Assistance</a:t>
-            </a:r>
-          </a:p>
-          <a:p>
-            <a:pPr marL="742950" lvl="1" indent="-285750">
-              <a:lnSpc>
-                <a:spcPct val="107000"/>
-              </a:lnSpc>
-              <a:spcAft>
-                <a:spcPts val="800"/>
-              </a:spcAft>
-              <a:buFontTx/>
-              <a:buChar char="-"/>
-            </a:pPr>
-            <a:r>
-              <a:rPr lang="en-US" kern="100" dirty="0">
-                <a:effectLst/>
-                <a:latin typeface="Calibri" panose="020F0502020204030204" pitchFamily="34" charset="0"/>
-                <a:ea typeface="Calibri" panose="020F0502020204030204" pitchFamily="34" charset="0"/>
-                <a:cs typeface="Arial" panose="020B0604020202020204" pitchFamily="34" charset="0"/>
-              </a:rPr>
-              <a:t>Agents</a:t>
-            </a:r>
-          </a:p>
-          <a:p>
-            <a:pPr marL="742950" lvl="1" indent="-285750">
-              <a:lnSpc>
-                <a:spcPct val="107000"/>
-              </a:lnSpc>
-              <a:spcAft>
-                <a:spcPts val="800"/>
-              </a:spcAft>
-              <a:buFontTx/>
-              <a:buChar char="-"/>
-            </a:pPr>
-            <a:r>
-              <a:rPr lang="en-US" kern="100" dirty="0">
-                <a:effectLst/>
-                <a:latin typeface="Calibri" panose="020F0502020204030204" pitchFamily="34" charset="0"/>
-                <a:ea typeface="Calibri" panose="020F0502020204030204" pitchFamily="34" charset="0"/>
-                <a:cs typeface="Arial" panose="020B0604020202020204" pitchFamily="34" charset="0"/>
-              </a:rPr>
-              <a:t>Converters</a:t>
-            </a:r>
-          </a:p>
-          <a:p>
-            <a:pPr marL="742950" lvl="1" indent="-285750">
-              <a:lnSpc>
-                <a:spcPct val="107000"/>
-              </a:lnSpc>
-              <a:spcAft>
-                <a:spcPts val="800"/>
-              </a:spcAft>
-              <a:buFontTx/>
-              <a:buChar char="-"/>
-            </a:pPr>
-            <a:r>
-              <a:rPr lang="en-US" kern="100" dirty="0">
-                <a:effectLst/>
-                <a:latin typeface="Calibri" panose="020F0502020204030204" pitchFamily="34" charset="0"/>
-                <a:ea typeface="Calibri" panose="020F0502020204030204" pitchFamily="34" charset="0"/>
-                <a:cs typeface="Arial" panose="020B0604020202020204" pitchFamily="34" charset="0"/>
-              </a:rPr>
-              <a:t>Image improvers</a:t>
-            </a:r>
-          </a:p>
-          <a:p>
-            <a:pPr marL="742950" lvl="1" indent="-285750">
-              <a:lnSpc>
-                <a:spcPct val="107000"/>
-              </a:lnSpc>
-              <a:spcAft>
-                <a:spcPts val="800"/>
-              </a:spcAft>
-              <a:buFontTx/>
-              <a:buChar char="-"/>
-            </a:pPr>
-            <a:r>
-              <a:rPr lang="en-US" kern="100" dirty="0" err="1">
-                <a:effectLst/>
-                <a:latin typeface="Calibri" panose="020F0502020204030204" pitchFamily="34" charset="0"/>
-                <a:ea typeface="Calibri" panose="020F0502020204030204" pitchFamily="34" charset="0"/>
-                <a:cs typeface="Arial" panose="020B0604020202020204" pitchFamily="34" charset="0"/>
-              </a:rPr>
-              <a:t>etc</a:t>
-            </a:r>
-            <a:endParaRPr lang="en-US" kern="100" dirty="0">
-              <a:effectLst/>
-              <a:latin typeface="Calibri" panose="020F0502020204030204" pitchFamily="34" charset="0"/>
-              <a:ea typeface="Calibri" panose="020F0502020204030204" pitchFamily="34" charset="0"/>
-              <a:cs typeface="Arial" panose="020B0604020202020204" pitchFamily="34" charset="0"/>
-            </a:endParaRPr>
+              <a:t>- Transparency and interpretability of AI models</a:t>
+            </a:r>
           </a:p>
         </p:txBody>
       </p:sp>
     </p:spTree>
     <p:extLst>
       <p:ext uri="{BB962C8B-B14F-4D97-AF65-F5344CB8AC3E}">
-        <p14:creationId xmlns:p14="http://schemas.microsoft.com/office/powerpoint/2010/main" val="86262579"/>
+        <p14:creationId xmlns:p14="http://schemas.microsoft.com/office/powerpoint/2010/main" val="1382418732"/>
       </p:ext>
     </p:extLst>
   </p:cSld>
@@ -6562,8 +6442,8 @@
         </p:nvSpPr>
         <p:spPr>
           <a:xfrm>
-            <a:off x="2432482" y="2335014"/>
-            <a:ext cx="7563774" cy="1789016"/>
+            <a:off x="2352583" y="1936059"/>
+            <a:ext cx="8211844" cy="3783793"/>
           </a:xfrm>
           <a:prstGeom prst="rect">
             <a:avLst/>
@@ -6583,7 +6463,7 @@
                 <a:ea typeface="Calibri" panose="020F0502020204030204" pitchFamily="34" charset="0"/>
                 <a:cs typeface="Arial" panose="020B0604020202020204" pitchFamily="34" charset="0"/>
               </a:rPr>
-              <a:t>The future of </a:t>
+              <a:t>Real-world examples of </a:t>
             </a:r>
             <a:r>
               <a:rPr lang="en-US" sz="4000" b="1" dirty="0" err="1">
@@ -6602,13 +6482,15 @@
             </a:endParaRPr>
           </a:p>
           <a:p>
-            <a:pPr lvl="1">
+            <a:pPr marL="742950" lvl="1" indent="-285750">
               <a:lnSpc>
                 <a:spcPct val="107000"/>
               </a:lnSpc>
               <a:spcAft>
                 <a:spcPts val="800"/>
               </a:spcAft>
+              <a:buFontTx/>
+              <a:buChar char="-"/>
             </a:pPr>
             <a:r>
               <a:rPr lang="en-US" kern="100" dirty="0">
@@ -6617,36 +6499,45 @@
                 <a:ea typeface="Calibri" panose="020F0502020204030204" pitchFamily="34" charset="0"/>
                 <a:cs typeface="Arial" panose="020B0604020202020204" pitchFamily="34" charset="0"/>
               </a:rPr>
-              <a:t>- Increasing adoption in different industries</a:t>
-            </a:r>
-          </a:p>
-          <a:p>
-            <a:pPr lvl="1">
+              <a:t>Bots</a:t>
+            </a:r>
+          </a:p>
+          <a:p>
+            <a:pPr marL="742950" lvl="1" indent="-285750">
               <a:lnSpc>
                 <a:spcPct val="107000"/>
               </a:lnSpc>
               <a:spcAft>
                 <a:spcPts val="800"/>
               </a:spcAft>
+              <a:buFontTx/>
+              <a:buChar char="-"/>
             </a:pPr>
             <a:r>
               <a:rPr lang="en-US" kern="100" dirty="0">
-                <a:effectLst/>
-                <a:latin typeface="Calibri" panose="020F0502020204030204" pitchFamily="34" charset="0"/>
-                <a:ea typeface="Calibri" panose="020F0502020204030204" pitchFamily="34" charset="0"/>
-                <a:cs typeface="Arial" panose="020B0604020202020204" pitchFamily="34" charset="0"/>
-              </a:rPr>
-              <a:t>- Emergence of new AI technologies</a:t>
-            </a:r>
-          </a:p>
-          <a:p>
-            <a:pPr lvl="1">
+                <a:latin typeface="Calibri" panose="020F0502020204030204" pitchFamily="34" charset="0"/>
+                <a:ea typeface="Calibri" panose="020F0502020204030204" pitchFamily="34" charset="0"/>
+                <a:cs typeface="Arial" panose="020B0604020202020204" pitchFamily="34" charset="0"/>
+              </a:rPr>
+              <a:t>Logistics</a:t>
+            </a:r>
+            <a:endParaRPr lang="en-US" kern="100" dirty="0">
+              <a:effectLst/>
+              <a:latin typeface="Calibri" panose="020F0502020204030204" pitchFamily="34" charset="0"/>
+              <a:ea typeface="Calibri" panose="020F0502020204030204" pitchFamily="34" charset="0"/>
+              <a:cs typeface="Arial" panose="020B0604020202020204" pitchFamily="34" charset="0"/>
+            </a:endParaRPr>
+          </a:p>
+          <a:p>
+            <a:pPr marL="742950" lvl="1" indent="-285750">
               <a:lnSpc>
                 <a:spcPct val="107000"/>
               </a:lnSpc>
               <a:spcAft>
                 <a:spcPts val="800"/>
               </a:spcAft>
+              <a:buFontTx/>
+              <a:buChar char="-"/>
             </a:pPr>
             <a:r>
               <a:rPr lang="en-US" kern="100" dirty="0">
@@ -6655,15 +6546,125 @@
                 <a:ea typeface="Calibri" panose="020F0502020204030204" pitchFamily="34" charset="0"/>
                 <a:cs typeface="Arial" panose="020B0604020202020204" pitchFamily="34" charset="0"/>
               </a:rPr>
-              <a:t>- Advancements in natural language processing and computer vision</a:t>
-            </a:r>
+              <a:t>Language Translation</a:t>
+            </a:r>
+          </a:p>
+          <a:p>
+            <a:pPr marL="742950" lvl="1" indent="-285750">
+              <a:lnSpc>
+                <a:spcPct val="107000"/>
+              </a:lnSpc>
+              <a:spcAft>
+                <a:spcPts val="800"/>
+              </a:spcAft>
+              <a:buFontTx/>
+              <a:buChar char="-"/>
+            </a:pPr>
+            <a:r>
+              <a:rPr lang="en-US" kern="100" dirty="0">
+                <a:latin typeface="Calibri" panose="020F0502020204030204" pitchFamily="34" charset="0"/>
+                <a:ea typeface="Calibri" panose="020F0502020204030204" pitchFamily="34" charset="0"/>
+                <a:cs typeface="Arial" panose="020B0604020202020204" pitchFamily="34" charset="0"/>
+              </a:rPr>
+              <a:t>Assistance</a:t>
+            </a:r>
+          </a:p>
+          <a:p>
+            <a:pPr marL="742950" lvl="1" indent="-285750">
+              <a:lnSpc>
+                <a:spcPct val="107000"/>
+              </a:lnSpc>
+              <a:spcAft>
+                <a:spcPts val="800"/>
+              </a:spcAft>
+              <a:buFontTx/>
+              <a:buChar char="-"/>
+            </a:pPr>
+            <a:r>
+              <a:rPr lang="en-US" kern="100" dirty="0">
+                <a:effectLst/>
+                <a:latin typeface="Calibri" panose="020F0502020204030204" pitchFamily="34" charset="0"/>
+                <a:ea typeface="Calibri" panose="020F0502020204030204" pitchFamily="34" charset="0"/>
+                <a:cs typeface="Arial" panose="020B0604020202020204" pitchFamily="34" charset="0"/>
+              </a:rPr>
+              <a:t>Agents</a:t>
+            </a:r>
+          </a:p>
+          <a:p>
+            <a:pPr marL="742950" lvl="1" indent="-285750">
+              <a:lnSpc>
+                <a:spcPct val="107000"/>
+              </a:lnSpc>
+              <a:spcAft>
+                <a:spcPts val="800"/>
+              </a:spcAft>
+              <a:buFontTx/>
+              <a:buChar char="-"/>
+            </a:pPr>
+            <a:r>
+              <a:rPr lang="en-US" kern="100" dirty="0">
+                <a:effectLst/>
+                <a:latin typeface="Calibri" panose="020F0502020204030204" pitchFamily="34" charset="0"/>
+                <a:ea typeface="Calibri" panose="020F0502020204030204" pitchFamily="34" charset="0"/>
+                <a:cs typeface="Arial" panose="020B0604020202020204" pitchFamily="34" charset="0"/>
+              </a:rPr>
+              <a:t>Converters</a:t>
+            </a:r>
+          </a:p>
+          <a:p>
+            <a:pPr marL="742950" lvl="1" indent="-285750">
+              <a:lnSpc>
+                <a:spcPct val="107000"/>
+              </a:lnSpc>
+              <a:spcAft>
+                <a:spcPts val="800"/>
+              </a:spcAft>
+              <a:buFontTx/>
+              <a:buChar char="-"/>
+            </a:pPr>
+            <a:r>
+              <a:rPr lang="en-US" kern="100" dirty="0">
+                <a:effectLst/>
+                <a:latin typeface="Calibri" panose="020F0502020204030204" pitchFamily="34" charset="0"/>
+                <a:ea typeface="Calibri" panose="020F0502020204030204" pitchFamily="34" charset="0"/>
+                <a:cs typeface="Arial" panose="020B0604020202020204" pitchFamily="34" charset="0"/>
+              </a:rPr>
+              <a:t>Image improvers</a:t>
+            </a:r>
+          </a:p>
+          <a:p>
+            <a:pPr marL="742950" lvl="1" indent="-285750">
+              <a:lnSpc>
+                <a:spcPct val="107000"/>
+              </a:lnSpc>
+              <a:spcAft>
+                <a:spcPts val="800"/>
+              </a:spcAft>
+              <a:buFontTx/>
+              <a:buChar char="-"/>
+            </a:pPr>
+            <a:r>
+              <a:rPr lang="en-US" kern="100" dirty="0" err="1">
+                <a:effectLst/>
+                <a:latin typeface="Calibri" panose="020F0502020204030204" pitchFamily="34" charset="0"/>
+                <a:ea typeface="Calibri" panose="020F0502020204030204" pitchFamily="34" charset="0"/>
+                <a:cs typeface="Arial" panose="020B0604020202020204" pitchFamily="34" charset="0"/>
+              </a:rPr>
+              <a:t>etc</a:t>
+            </a:r>
+            <a:endParaRPr lang="en-US" kern="100" dirty="0">
+              <a:effectLst/>
+              <a:latin typeface="Calibri" panose="020F0502020204030204" pitchFamily="34" charset="0"/>
+              <a:ea typeface="Calibri" panose="020F0502020204030204" pitchFamily="34" charset="0"/>
+              <a:cs typeface="Arial" panose="020B0604020202020204" pitchFamily="34" charset="0"/>
+            </a:endParaRPr>
           </a:p>
         </p:txBody>
       </p:sp>
     </p:spTree>
     <p:extLst>
       <p:ext uri="{BB962C8B-B14F-4D97-AF65-F5344CB8AC3E}">
-        <p14:creationId xmlns:p14="http://schemas.microsoft.com/office/powerpoint/2010/main" val="2645296020"/>
+        <p14:creationId xmlns:p14="http://schemas.microsoft.com/office/powerpoint/2010/main" val="86262579"/>
       </p:ext>
     </p:extLst>
   </p:cSld>
@@ -6705,7 +6706,7 @@
         <p:spPr>
           <a:xfrm>
             <a:off x="2432482" y="2335014"/>
-            <a:ext cx="6232125" cy="2985882"/>
+            <a:ext cx="7563774" cy="1789016"/>
           </a:xfrm>
           <a:prstGeom prst="rect">
             <a:avLst/>
@@ -6725,7 +6726,7 @@
                 <a:ea typeface="Calibri" panose="020F0502020204030204" pitchFamily="34" charset="0"/>
                 <a:cs typeface="Arial" panose="020B0604020202020204" pitchFamily="34" charset="0"/>
               </a:rPr>
-              <a:t>Use cases of </a:t>
+              <a:t>The future of </a:t>
             </a:r>
             <a:r>
               <a:rPr lang="en-US" sz="4000" b="1" dirty="0" err="1">
@@ -6759,7 +6760,7 @@
                 <a:ea typeface="Calibri" panose="020F0502020204030204" pitchFamily="34" charset="0"/>
                 <a:cs typeface="Arial" panose="020B0604020202020204" pitchFamily="34" charset="0"/>
               </a:rPr>
-              <a:t>- Healthcare</a:t>
+              <a:t>- Increasing adoption in different industries</a:t>
             </a:r>
           </a:p>
           <a:p>
@@ -6778,7 +6779,7 @@
                 <a:ea typeface="Calibri" panose="020F0502020204030204" pitchFamily="34" charset="0"/>
                 <a:cs typeface="Arial" panose="020B0604020202020204" pitchFamily="34" charset="0"/>
               </a:rPr>
-              <a:t>- Retail</a:t>
+              <a:t>- Emergence of new AI technologies</a:t>
             </a:r>
           </a:p>
           <a:p>
@@ -6797,87 +6798,15 @@
                 <a:ea typeface="Calibri" panose="020F0502020204030204" pitchFamily="34" charset="0"/>
                 <a:cs typeface="Arial" panose="020B0604020202020204" pitchFamily="34" charset="0"/>
               </a:rPr>
-              <a:t>- Manufacturing</a:t>
-            </a:r>
-          </a:p>
-          <a:p>
-            <a:pPr lvl="1">
-              <a:lnSpc>
-                <a:spcPct val="107000"/>
-              </a:lnSpc>
-              <a:spcAft>
-                <a:spcPts val="800"/>
-              </a:spcAft>
-            </a:pPr>
-            <a:r>
-              <a:rPr lang="en-US" kern="100" dirty="0">
-                <a:effectLst/>
-                <a:latin typeface="Calibri" panose="020F0502020204030204" pitchFamily="34" charset="0"/>
-                <a:ea typeface="Calibri" panose="020F0502020204030204" pitchFamily="34" charset="0"/>
-                <a:cs typeface="Arial" panose="020B0604020202020204" pitchFamily="34" charset="0"/>
-              </a:rPr>
-              <a:t>- Finance</a:t>
-            </a:r>
-          </a:p>
-          <a:p>
-            <a:pPr lvl="1">
-              <a:lnSpc>
-                <a:spcPct val="107000"/>
-              </a:lnSpc>
-              <a:spcAft>
-                <a:spcPts val="800"/>
-              </a:spcAft>
-            </a:pPr>
-            <a:r>
-              <a:rPr lang="en-US" kern="100" dirty="0">
-                <a:effectLst/>
-                <a:latin typeface="Calibri" panose="020F0502020204030204" pitchFamily="34" charset="0"/>
-                <a:ea typeface="Calibri" panose="020F0502020204030204" pitchFamily="34" charset="0"/>
-                <a:cs typeface="Arial" panose="020B0604020202020204" pitchFamily="34" charset="0"/>
-              </a:rPr>
-              <a:t>- Transportation</a:t>
-            </a:r>
-          </a:p>
-          <a:p>
-            <a:pPr lvl="1">
-              <a:lnSpc>
-                <a:spcPct val="107000"/>
-              </a:lnSpc>
-              <a:spcAft>
-                <a:spcPts val="800"/>
-              </a:spcAft>
-            </a:pPr>
-            <a:r>
-              <a:rPr lang="en-US" kern="100" dirty="0">
-                <a:effectLst/>
-                <a:latin typeface="Calibri" panose="020F0502020204030204" pitchFamily="34" charset="0"/>
-                <a:ea typeface="Calibri" panose="020F0502020204030204" pitchFamily="34" charset="0"/>
-                <a:cs typeface="Arial" panose="020B0604020202020204" pitchFamily="34" charset="0"/>
-              </a:rPr>
-              <a:t>- </a:t>
-            </a:r>
-            <a:r>
-              <a:rPr lang="en-US" kern="100" dirty="0" err="1">
-                <a:effectLst/>
-                <a:latin typeface="Calibri" panose="020F0502020204030204" pitchFamily="34" charset="0"/>
-                <a:ea typeface="Calibri" panose="020F0502020204030204" pitchFamily="34" charset="0"/>
-                <a:cs typeface="Arial" panose="020B0604020202020204" pitchFamily="34" charset="0"/>
-              </a:rPr>
-              <a:t>etc</a:t>
-            </a:r>
-            <a:endParaRPr lang="en-US" kern="100" dirty="0">
-              <a:effectLst/>
-              <a:latin typeface="Calibri" panose="020F0502020204030204" pitchFamily="34" charset="0"/>
-              <a:ea typeface="Calibri" panose="020F0502020204030204" pitchFamily="34" charset="0"/>
-              <a:cs typeface="Arial" panose="020B0604020202020204" pitchFamily="34" charset="0"/>
-            </a:endParaRPr>
+              <a:t>- Advancements in natural language processing and computer vision</a:t>
+            </a:r>
           </a:p>
         </p:txBody>
       </p:sp>
     </p:spTree>
     <p:extLst>
       <p:ext uri="{BB962C8B-B14F-4D97-AF65-F5344CB8AC3E}">
-        <p14:creationId xmlns:p14="http://schemas.microsoft.com/office/powerpoint/2010/main" val="363918809"/>
+        <p14:creationId xmlns:p14="http://schemas.microsoft.com/office/powerpoint/2010/main" val="2645296020"/>
       </p:ext>
     </p:extLst>
   </p:cSld>
@@ -6919,7 +6848,7 @@
         <p:spPr>
           <a:xfrm>
             <a:off x="2432482" y="2335014"/>
-            <a:ext cx="6232125" cy="2187971"/>
+            <a:ext cx="6232125" cy="2985882"/>
           </a:xfrm>
           <a:prstGeom prst="rect">
             <a:avLst/>
@@ -6939,7 +6868,7 @@
                 <a:ea typeface="Calibri" panose="020F0502020204030204" pitchFamily="34" charset="0"/>
                 <a:cs typeface="Arial" panose="020B0604020202020204" pitchFamily="34" charset="0"/>
               </a:rPr>
-              <a:t>Success stories of </a:t>
+              <a:t>Use cases of </a:t>
             </a:r>
             <a:r>
               <a:rPr lang="en-US" sz="4000" b="1" dirty="0" err="1">
@@ -6973,7 +6902,7 @@
                 <a:ea typeface="Calibri" panose="020F0502020204030204" pitchFamily="34" charset="0"/>
                 <a:cs typeface="Arial" panose="020B0604020202020204" pitchFamily="34" charset="0"/>
               </a:rPr>
-              <a:t>- Netflix recommendation engine</a:t>
+              <a:t>- Healthcare</a:t>
             </a:r>
           </a:p>
           <a:p>
@@ -6992,7 +6921,7 @@
                 <a:ea typeface="Calibri" panose="020F0502020204030204" pitchFamily="34" charset="0"/>
                 <a:cs typeface="Arial" panose="020B0604020202020204" pitchFamily="34" charset="0"/>
               </a:rPr>
-              <a:t>- Uber's self-driving cars</a:t>
+              <a:t>- Retail</a:t>
             </a:r>
           </a:p>
           <a:p>
@@ -7011,7 +6940,7 @@
                 <a:ea typeface="Calibri" panose="020F0502020204030204" pitchFamily="34" charset="0"/>
                 <a:cs typeface="Arial" panose="020B0604020202020204" pitchFamily="34" charset="0"/>
               </a:rPr>
-              <a:t>- PayPal fraud detection system</a:t>
+              <a:t>- Manufacturing</a:t>
             </a:r>
           </a:p>
           <a:p>
@@ -7030,15 +6959,68 @@
                 <a:ea typeface="Calibri" panose="020F0502020204030204" pitchFamily="34" charset="0"/>
                 <a:cs typeface="Arial" panose="020B0604020202020204" pitchFamily="34" charset="0"/>
               </a:rPr>
-              <a:t>- Coca-Cola personalized marketing campaigns</a:t>
-            </a:r>
+              <a:t>- Finance</a:t>
+            </a:r>
+          </a:p>
+          <a:p>
+            <a:pPr lvl="1">
+              <a:lnSpc>
+                <a:spcPct val="107000"/>
+              </a:lnSpc>
+              <a:spcAft>
+                <a:spcPts val="800"/>
+              </a:spcAft>
+            </a:pPr>
+            <a:r>
+              <a:rPr lang="en-US" kern="100" dirty="0">
+                <a:effectLst/>
+                <a:latin typeface="Calibri" panose="020F0502020204030204" pitchFamily="34" charset="0"/>
+                <a:ea typeface="Calibri" panose="020F0502020204030204" pitchFamily="34" charset="0"/>
+                <a:cs typeface="Arial" panose="020B0604020202020204" pitchFamily="34" charset="0"/>
+              </a:rPr>
+              <a:t>- Transportation</a:t>
+            </a:r>
+          </a:p>
+          <a:p>
+            <a:pPr lvl="1">
+              <a:lnSpc>
+                <a:spcPct val="107000"/>
+              </a:lnSpc>
+              <a:spcAft>
+                <a:spcPts val="800"/>
+              </a:spcAft>
+            </a:pPr>
+            <a:r>
+              <a:rPr lang="en-US" kern="100" dirty="0">
+                <a:effectLst/>
+                <a:latin typeface="Calibri" panose="020F0502020204030204" pitchFamily="34" charset="0"/>
+                <a:ea typeface="Calibri" panose="020F0502020204030204" pitchFamily="34" charset="0"/>
+                <a:cs typeface="Arial" panose="020B0604020202020204" pitchFamily="34" charset="0"/>
+              </a:rPr>
+              <a:t>- </a:t>
+            </a:r>
+            <a:r>
+              <a:rPr lang="en-US" kern="100" dirty="0" err="1">
+                <a:effectLst/>
+                <a:latin typeface="Calibri" panose="020F0502020204030204" pitchFamily="34" charset="0"/>
+                <a:ea typeface="Calibri" panose="020F0502020204030204" pitchFamily="34" charset="0"/>
+                <a:cs typeface="Arial" panose="020B0604020202020204" pitchFamily="34" charset="0"/>
+              </a:rPr>
+              <a:t>etc</a:t>
+            </a:r>
+            <a:endParaRPr lang="en-US" kern="100" dirty="0">
+              <a:effectLst/>
+              <a:latin typeface="Calibri" panose="020F0502020204030204" pitchFamily="34" charset="0"/>
+              <a:ea typeface="Calibri" panose="020F0502020204030204" pitchFamily="34" charset="0"/>
+              <a:cs typeface="Arial" panose="020B0604020202020204" pitchFamily="34" charset="0"/>
+            </a:endParaRPr>
           </a:p>
         </p:txBody>
       </p:sp>
     </p:spTree>
     <p:extLst>
       <p:ext uri="{BB962C8B-B14F-4D97-AF65-F5344CB8AC3E}">
-        <p14:creationId xmlns:p14="http://schemas.microsoft.com/office/powerpoint/2010/main" val="481190544"/>
+        <p14:creationId xmlns:p14="http://schemas.microsoft.com/office/powerpoint/2010/main" val="363918809"/>
       </p:ext>
     </p:extLst>
   </p:cSld>
@@ -7080,7 +7062,7 @@
         <p:spPr>
           <a:xfrm>
             <a:off x="2432482" y="2335014"/>
-            <a:ext cx="8744504" cy="2187971"/>
+            <a:ext cx="6232125" cy="2187971"/>
           </a:xfrm>
           <a:prstGeom prst="rect">
             <a:avLst/>
@@ -7094,6 +7076,15 @@
           <a:lstStyle/>
           <a:p>
             <a:r>
+              <a:rPr lang="en-US" sz="4000" b="1" dirty="0">
+                <a:effectLst/>
+                <a:latin typeface="Calibri" panose="020F0502020204030204" pitchFamily="34" charset="0"/>
+                <a:ea typeface="Calibri" panose="020F0502020204030204" pitchFamily="34" charset="0"/>
+                <a:cs typeface="Arial" panose="020B0604020202020204" pitchFamily="34" charset="0"/>
+              </a:rPr>
+              <a:t>Success stories of </a:t>
+            </a:r>
+            <a:r>
               <a:rPr lang="en-US" sz="4000" b="1" dirty="0" err="1">
                 <a:effectLst/>
                 <a:latin typeface="Calibri" panose="020F0502020204030204" pitchFamily="34" charset="0"/>
@@ -7102,15 +7093,12 @@
               </a:rPr>
               <a:t>AIaaS</a:t>
             </a:r>
-            <a:r>
-              <a:rPr lang="en-US" sz="4000" b="1" dirty="0">
-                <a:effectLst/>
-                <a:latin typeface="Calibri" panose="020F0502020204030204" pitchFamily="34" charset="0"/>
-                <a:ea typeface="Calibri" panose="020F0502020204030204" pitchFamily="34" charset="0"/>
-                <a:cs typeface="Arial" panose="020B0604020202020204" pitchFamily="34" charset="0"/>
-              </a:rPr>
-              <a:t> vs. traditional AI development</a:t>
-            </a:r>
+            <a:endParaRPr lang="en-US" sz="4000" b="1" dirty="0">
+              <a:effectLst/>
+              <a:latin typeface="Calibri" panose="020F0502020204030204" pitchFamily="34" charset="0"/>
+              <a:ea typeface="Calibri" panose="020F0502020204030204" pitchFamily="34" charset="0"/>
+              <a:cs typeface="Arial" panose="020B0604020202020204" pitchFamily="34" charset="0"/>
+            </a:endParaRPr>
           </a:p>
           <a:p>
             <a:pPr lvl="1">
@@ -7128,7 +7116,7 @@
                 <a:ea typeface="Calibri" panose="020F0502020204030204" pitchFamily="34" charset="0"/>
                 <a:cs typeface="Arial" panose="020B0604020202020204" pitchFamily="34" charset="0"/>
               </a:rPr>
-              <a:t>- Time and cost implications</a:t>
+              <a:t>- Netflix recommendation engine</a:t>
             </a:r>
           </a:p>
           <a:p>
@@ -7147,7 +7135,7 @@
                 <a:ea typeface="Calibri" panose="020F0502020204030204" pitchFamily="34" charset="0"/>
                 <a:cs typeface="Arial" panose="020B0604020202020204" pitchFamily="34" charset="0"/>
               </a:rPr>
-              <a:t>- Access to AI talent and expertise</a:t>
+              <a:t>- Uber's self-driving cars</a:t>
             </a:r>
           </a:p>
           <a:p>
@@ -7166,7 +7154,7 @@
                 <a:ea typeface="Calibri" panose="020F0502020204030204" pitchFamily="34" charset="0"/>
                 <a:cs typeface="Arial" panose="020B0604020202020204" pitchFamily="34" charset="0"/>
               </a:rPr>
-              <a:t>- Flexibility and scalability</a:t>
+              <a:t>- PayPal fraud detection system</a:t>
             </a:r>
           </a:p>
           <a:p>
@@ -7185,7 +7173,7 @@
                 <a:ea typeface="Calibri" panose="020F0502020204030204" pitchFamily="34" charset="0"/>
                 <a:cs typeface="Arial" panose="020B0604020202020204" pitchFamily="34" charset="0"/>
               </a:rPr>
-              <a:t>- Integration with existing systems</a:t>
+              <a:t>- Coca-Cola personalized marketing campaigns</a:t>
             </a:r>
           </a:p>
         </p:txBody>
@@ -7193,7 +7181,7 @@
     </p:spTree>
     <p:extLst>
       <p:ext uri="{BB962C8B-B14F-4D97-AF65-F5344CB8AC3E}">
-        <p14:creationId xmlns:p14="http://schemas.microsoft.com/office/powerpoint/2010/main" val="4195748901"/>
+        <p14:creationId xmlns:p14="http://schemas.microsoft.com/office/powerpoint/2010/main" val="481190544"/>
       </p:ext>
     </p:extLst>
   </p:cSld>
@@ -7235,7 +7223,7 @@
         <p:spPr>
           <a:xfrm>
             <a:off x="2432482" y="2335014"/>
-            <a:ext cx="6232125" cy="1789016"/>
+            <a:ext cx="8744504" cy="2187971"/>
           </a:xfrm>
           <a:prstGeom prst="rect">
             <a:avLst/>
@@ -7249,29 +7237,23 @@
           <a:lstStyle/>
           <a:p>
             <a:r>
+              <a:rPr lang="en-US" sz="4000" b="1" dirty="0" err="1">
+                <a:effectLst/>
+                <a:latin typeface="Calibri" panose="020F0502020204030204" pitchFamily="34" charset="0"/>
+                <a:ea typeface="Calibri" panose="020F0502020204030204" pitchFamily="34" charset="0"/>
+                <a:cs typeface="Arial" panose="020B0604020202020204" pitchFamily="34" charset="0"/>
+              </a:rPr>
+              <a:t>AIaaS</a:t>
+            </a:r>
+            <a:r>
               <a:rPr lang="en-US" sz="4000" b="1" dirty="0">
                 <a:effectLst/>
                 <a:latin typeface="Calibri" panose="020F0502020204030204" pitchFamily="34" charset="0"/>
                 <a:ea typeface="Calibri" panose="020F0502020204030204" pitchFamily="34" charset="0"/>
                 <a:cs typeface="Arial" panose="020B0604020202020204" pitchFamily="34" charset="0"/>
               </a:rPr>
-              <a:t>Demystifying </a:t>
-            </a:r>
-            <a:r>
-              <a:rPr lang="en-US" sz="4000" b="1" dirty="0" err="1">
-                <a:effectLst/>
-                <a:latin typeface="Calibri" panose="020F0502020204030204" pitchFamily="34" charset="0"/>
-                <a:ea typeface="Calibri" panose="020F0502020204030204" pitchFamily="34" charset="0"/>
-                <a:cs typeface="Arial" panose="020B0604020202020204" pitchFamily="34" charset="0"/>
-              </a:rPr>
-              <a:t>AIaaS</a:t>
-            </a:r>
-            <a:endParaRPr lang="en-US" sz="4000" b="1" dirty="0">
-              <a:effectLst/>
-              <a:latin typeface="Calibri" panose="020F0502020204030204" pitchFamily="34" charset="0"/>
-              <a:ea typeface="Calibri" panose="020F0502020204030204" pitchFamily="34" charset="0"/>
-              <a:cs typeface="Arial" panose="020B0604020202020204" pitchFamily="34" charset="0"/>
-            </a:endParaRPr>
+              <a:t> vs. traditional AI development</a:t>
+            </a:r>
           </a:p>
           <a:p>
             <a:pPr lvl="1">
@@ -7289,23 +7271,8 @@
                 <a:ea typeface="Calibri" panose="020F0502020204030204" pitchFamily="34" charset="0"/>
                 <a:cs typeface="Arial" panose="020B0604020202020204" pitchFamily="34" charset="0"/>
               </a:rPr>
-              <a:t>- Common misconceptions about </a:t>
-            </a:r>
-            <a:r>
-              <a:rPr lang="en-US" kern="100" dirty="0" err="1">
-                <a:effectLst/>
-                <a:latin typeface="Calibri" panose="020F0502020204030204" pitchFamily="34" charset="0"/>
-                <a:ea typeface="Calibri" panose="020F0502020204030204" pitchFamily="34" charset="0"/>
-                <a:cs typeface="Arial" panose="020B0604020202020204" pitchFamily="34" charset="0"/>
-              </a:rPr>
-              <a:t>AIaaS</a:t>
-            </a:r>
-            <a:endParaRPr lang="en-US" kern="100" dirty="0">
-              <a:effectLst/>
-              <a:latin typeface="Calibri" panose="020F0502020204030204" pitchFamily="34" charset="0"/>
-              <a:ea typeface="Calibri" panose="020F0502020204030204" pitchFamily="34" charset="0"/>
-              <a:cs typeface="Arial" panose="020B0604020202020204" pitchFamily="34" charset="0"/>
-            </a:endParaRPr>
+              <a:t>- Time and cost implications</a:t>
+            </a:r>
           </a:p>
           <a:p>
             <a:pPr lvl="1">
@@ -7323,25 +7290,7 @@
                 <a:ea typeface="Calibri" panose="020F0502020204030204" pitchFamily="34" charset="0"/>
                 <a:cs typeface="Arial" panose="020B0604020202020204" pitchFamily="34" charset="0"/>
               </a:rPr>
-              <a:t>- Importance of choosing the right </a:t>
-            </a:r>
-            <a:r>
-              <a:rPr lang="en-US" kern="100" dirty="0" err="1">
-                <a:effectLst/>
-                <a:latin typeface="Calibri" panose="020F0502020204030204" pitchFamily="34" charset="0"/>
-                <a:ea typeface="Calibri" panose="020F0502020204030204" pitchFamily="34" charset="0"/>
-                <a:cs typeface="Arial" panose="020B0604020202020204" pitchFamily="34" charset="0"/>
-              </a:rPr>
-              <a:t>AIaaS</a:t>
-            </a:r>
-            <a:r>
-              <a:rPr lang="en-US" kern="100" dirty="0">
-                <a:effectLst/>
-                <a:latin typeface="Calibri" panose="020F0502020204030204" pitchFamily="34" charset="0"/>
-                <a:ea typeface="Calibri" panose="020F0502020204030204" pitchFamily="34" charset="0"/>
-                <a:cs typeface="Arial" panose="020B0604020202020204" pitchFamily="34" charset="0"/>
-              </a:rPr>
-              <a:t> provider</a:t>
+              <a:t>- Access to AI talent and expertise</a:t>
             </a:r>
           </a:p>
           <a:p>
@@ -7360,7 +7309,26 @@
                 <a:ea typeface="Calibri" panose="020F0502020204030204" pitchFamily="34" charset="0"/>
                 <a:cs typeface="Arial" panose="020B0604020202020204" pitchFamily="34" charset="0"/>
               </a:rPr>
-              <a:t>- Benefits for businesses of all sizes</a:t>
+              <a:t>- Flexibility and scalability</a:t>
+            </a:r>
+          </a:p>
+          <a:p>
+            <a:pPr lvl="1">
+              <a:lnSpc>
+                <a:spcPct val="107000"/>
+              </a:lnSpc>
+              <a:spcAft>
+                <a:spcPts val="800"/>
+              </a:spcAft>
+            </a:pPr>
+            <a:r>
+              <a:rPr lang="en-US" kern="100" dirty="0">
+                <a:effectLst/>
+                <a:latin typeface="Calibri" panose="020F0502020204030204" pitchFamily="34" charset="0"/>
+                <a:ea typeface="Calibri" panose="020F0502020204030204" pitchFamily="34" charset="0"/>
+                <a:cs typeface="Arial" panose="020B0604020202020204" pitchFamily="34" charset="0"/>
+              </a:rPr>
+              <a:t>- Integration with existing systems</a:t>
             </a:r>
           </a:p>
         </p:txBody>
@@ -7368,7 +7336,7 @@
     </p:spTree>
     <p:extLst>
       <p:ext uri="{BB962C8B-B14F-4D97-AF65-F5344CB8AC3E}">
-        <p14:creationId xmlns:p14="http://schemas.microsoft.com/office/powerpoint/2010/main" val="2658932761"/>
+        <p14:creationId xmlns:p14="http://schemas.microsoft.com/office/powerpoint/2010/main" val="4195748901"/>
       </p:ext>
     </p:extLst>
   </p:cSld>
@@ -7430,7 +7398,7 @@
                 <a:ea typeface="Calibri" panose="020F0502020204030204" pitchFamily="34" charset="0"/>
                 <a:cs typeface="Arial" panose="020B0604020202020204" pitchFamily="34" charset="0"/>
               </a:rPr>
-              <a:t>Risks of not adopting </a:t>
+              <a:t>Demystifying </a:t>
             </a:r>
             <a:r>
               <a:rPr lang="en-US" sz="4000" b="1" dirty="0" err="1">
@@ -7464,8 +7432,23 @@
                 <a:ea typeface="Calibri" panose="020F0502020204030204" pitchFamily="34" charset="0"/>
                 <a:cs typeface="Arial" panose="020B0604020202020204" pitchFamily="34" charset="0"/>
               </a:rPr>
-              <a:t>- Falling behind in the competition</a:t>
-            </a:r>
+              <a:t>- Common misconceptions about </a:t>
+            </a:r>
+            <a:r>
+              <a:rPr lang="en-US" kern="100" dirty="0" err="1">
+                <a:effectLst/>
+                <a:latin typeface="Calibri" panose="020F0502020204030204" pitchFamily="34" charset="0"/>
+                <a:ea typeface="Calibri" panose="020F0502020204030204" pitchFamily="34" charset="0"/>
+                <a:cs typeface="Arial" panose="020B0604020202020204" pitchFamily="34" charset="0"/>
+              </a:rPr>
+              <a:t>AIaaS</a:t>
+            </a:r>
+            <a:endParaRPr lang="en-US" kern="100" dirty="0">
+              <a:effectLst/>
+              <a:latin typeface="Calibri" panose="020F0502020204030204" pitchFamily="34" charset="0"/>
+              <a:ea typeface="Calibri" panose="020F0502020204030204" pitchFamily="34" charset="0"/>
+              <a:cs typeface="Arial" panose="020B0604020202020204" pitchFamily="34" charset="0"/>
+            </a:endParaRPr>
           </a:p>
           <a:p>
             <a:pPr lvl="1">
@@ -7483,7 +7466,25 @@
                 <a:ea typeface="Calibri" panose="020F0502020204030204" pitchFamily="34" charset="0"/>
                 <a:cs typeface="Arial" panose="020B0604020202020204" pitchFamily="34" charset="0"/>
               </a:rPr>
-              <a:t>- Losing market share to AI-driven companies</a:t>
+              <a:t>- Importance of choosing the right </a:t>
+            </a:r>
+            <a:r>
+              <a:rPr lang="en-US" kern="100" dirty="0" err="1">
+                <a:effectLst/>
+                <a:latin typeface="Calibri" panose="020F0502020204030204" pitchFamily="34" charset="0"/>
+                <a:ea typeface="Calibri" panose="020F0502020204030204" pitchFamily="34" charset="0"/>
+                <a:cs typeface="Arial" panose="020B0604020202020204" pitchFamily="34" charset="0"/>
+              </a:rPr>
+              <a:t>AIaaS</a:t>
+            </a:r>
+            <a:r>
+              <a:rPr lang="en-US" kern="100" dirty="0">
+                <a:effectLst/>
+                <a:latin typeface="Calibri" panose="020F0502020204030204" pitchFamily="34" charset="0"/>
+                <a:ea typeface="Calibri" panose="020F0502020204030204" pitchFamily="34" charset="0"/>
+                <a:cs typeface="Arial" panose="020B0604020202020204" pitchFamily="34" charset="0"/>
+              </a:rPr>
+              <a:t> provider</a:t>
             </a:r>
           </a:p>
           <a:p>
@@ -7502,7 +7503,7 @@
                 <a:ea typeface="Calibri" panose="020F0502020204030204" pitchFamily="34" charset="0"/>
                 <a:cs typeface="Arial" panose="020B0604020202020204" pitchFamily="34" charset="0"/>
               </a:rPr>
-              <a:t>- Inability to keep up with customer expectations</a:t>
+              <a:t>- Benefits for businesses of all sizes</a:t>
             </a:r>
           </a:p>
         </p:txBody>
@@ -7510,7 +7511,7 @@
     </p:spTree>
     <p:extLst>
       <p:ext uri="{BB962C8B-B14F-4D97-AF65-F5344CB8AC3E}">
-        <p14:creationId xmlns:p14="http://schemas.microsoft.com/office/powerpoint/2010/main" val="1891117312"/>
+        <p14:creationId xmlns:p14="http://schemas.microsoft.com/office/powerpoint/2010/main" val="2658932761"/>
       </p:ext>
     </p:extLst>
   </p:cSld>
@@ -7552,6 +7553,148 @@
         <p:spPr>
           <a:xfrm>
             <a:off x="2432482" y="2335014"/>
+            <a:ext cx="6232125" cy="1789016"/>
+          </a:xfrm>
+          <a:prstGeom prst="rect">
+            <a:avLst/>
+          </a:prstGeom>
+          <a:noFill/>
+        </p:spPr>
+        <p:txBody>
+          <a:bodyPr wrap="square" rtlCol="0">
+            <a:spAutoFit/>
+          </a:bodyPr>
+          <a:lstStyle/>
+          <a:p>
+            <a:r>
+              <a:rPr lang="en-US" sz="4000" b="1" dirty="0">
+                <a:effectLst/>
+                <a:latin typeface="Calibri" panose="020F0502020204030204" pitchFamily="34" charset="0"/>
+                <a:ea typeface="Calibri" panose="020F0502020204030204" pitchFamily="34" charset="0"/>
+                <a:cs typeface="Arial" panose="020B0604020202020204" pitchFamily="34" charset="0"/>
+              </a:rPr>
+              <a:t>Risks of not adopting </a:t>
+            </a:r>
+            <a:r>
+              <a:rPr lang="en-US" sz="4000" b="1" dirty="0" err="1">
+                <a:effectLst/>
+                <a:latin typeface="Calibri" panose="020F0502020204030204" pitchFamily="34" charset="0"/>
+                <a:ea typeface="Calibri" panose="020F0502020204030204" pitchFamily="34" charset="0"/>
+                <a:cs typeface="Arial" panose="020B0604020202020204" pitchFamily="34" charset="0"/>
+              </a:rPr>
+              <a:t>AIaaS</a:t>
+            </a:r>
+            <a:endParaRPr lang="en-US" sz="4000" b="1" dirty="0">
+              <a:effectLst/>
+              <a:latin typeface="Calibri" panose="020F0502020204030204" pitchFamily="34" charset="0"/>
+              <a:ea typeface="Calibri" panose="020F0502020204030204" pitchFamily="34" charset="0"/>
+              <a:cs typeface="Arial" panose="020B0604020202020204" pitchFamily="34" charset="0"/>
+            </a:endParaRPr>
+          </a:p>
+          <a:p>
+            <a:pPr lvl="1">
+              <a:lnSpc>
+                <a:spcPct val="107000"/>
+              </a:lnSpc>
+              <a:spcAft>
+                <a:spcPts val="800"/>
+              </a:spcAft>
+            </a:pPr>
+            <a:r>
+              <a:rPr lang="en-US" kern="100" dirty="0">
+                <a:effectLst/>
+                <a:latin typeface="Calibri" panose="020F0502020204030204" pitchFamily="34" charset="0"/>
+                <a:ea typeface="Calibri" panose="020F0502020204030204" pitchFamily="34" charset="0"/>
+                <a:cs typeface="Arial" panose="020B0604020202020204" pitchFamily="34" charset="0"/>
+              </a:rPr>
+              <a:t>- Falling behind in the competition</a:t>
+            </a:r>
+          </a:p>
+          <a:p>
+            <a:pPr lvl="1">
+              <a:lnSpc>
+                <a:spcPct val="107000"/>
+              </a:lnSpc>
+              <a:spcAft>
+                <a:spcPts val="800"/>
+              </a:spcAft>
+            </a:pPr>
+            <a:r>
+              <a:rPr lang="en-US" kern="100" dirty="0">
+                <a:effectLst/>
+                <a:latin typeface="Calibri" panose="020F0502020204030204" pitchFamily="34" charset="0"/>
+                <a:ea typeface="Calibri" panose="020F0502020204030204" pitchFamily="34" charset="0"/>
+                <a:cs typeface="Arial" panose="020B0604020202020204" pitchFamily="34" charset="0"/>
+              </a:rPr>
+              <a:t>- Losing market share to AI-driven companies</a:t>
+            </a:r>
+          </a:p>
+          <a:p>
+            <a:pPr lvl="1">
+              <a:lnSpc>
+                <a:spcPct val="107000"/>
+              </a:lnSpc>
+              <a:spcAft>
+                <a:spcPts val="800"/>
+              </a:spcAft>
+            </a:pPr>
+            <a:r>
+              <a:rPr lang="en-US" kern="100" dirty="0">
+                <a:effectLst/>
+                <a:latin typeface="Calibri" panose="020F0502020204030204" pitchFamily="34" charset="0"/>
+                <a:ea typeface="Calibri" panose="020F0502020204030204" pitchFamily="34" charset="0"/>
+                <a:cs typeface="Arial" panose="020B0604020202020204" pitchFamily="34" charset="0"/>
+              </a:rPr>
+              <a:t>- Inability to keep up with customer expectations</a:t>
+            </a:r>
+          </a:p>
+        </p:txBody>
+      </p:sp>
+    </p:spTree>
+    <p:extLst>
+      <p:ext uri="{BB962C8B-B14F-4D97-AF65-F5344CB8AC3E}">
+        <p14:creationId xmlns:p14="http://schemas.microsoft.com/office/powerpoint/2010/main" val="1891117312"/>
+      </p:ext>
+    </p:extLst>
+  </p:cSld>
+  <p:clrMapOvr>
+    <a:masterClrMapping/>
+  </p:clrMapOvr>
+</p:sld>
+</file>
+
+<file path=ppt/slides/slide18.xml><?xml version="1.0" encoding="utf-8"?>
+<p:sld xmlns:a="http://schemas.openxmlformats.org/drawingml/2006/main" xmlns:r="http://schemas.openxmlformats.org/officeDocument/2006/relationships" xmlns:p="http://schemas.openxmlformats.org/presentationml/2006/main">
+  <p:cSld>
+    <p:spTree>
+      <p:nvGrpSpPr>
+        <p:cNvPr id="1" name=""/>
+        <p:cNvGrpSpPr/>
+        <p:nvPr/>
+      </p:nvGrpSpPr>
+      <p:grpSpPr>
+        <a:xfrm>
+          <a:off x="0" y="0"/>
+          <a:ext cx="0" cy="0"/>
+          <a:chOff x="0" y="0"/>
+          <a:chExt cx="0" cy="0"/>
+        </a:xfrm>
+      </p:grpSpPr>
+      <p:sp>
+        <p:nvSpPr>
+          <p:cNvPr id="4" name="TextBox 3">
+            <a:extLst>
+              <a:ext uri="{FF2B5EF4-FFF2-40B4-BE49-F238E27FC236}">
+                <a16:creationId xmlns:a16="http://schemas.microsoft.com/office/drawing/2014/main" id="{2818584A-8497-C0CD-263A-52ACC8DDB77C}"/>
+              </a:ext>
+            </a:extLst>
+          </p:cNvPr>
+          <p:cNvSpPr txBox="1"/>
+          <p:nvPr/>
+        </p:nvSpPr>
+        <p:spPr>
+          <a:xfrm>
+            <a:off x="2432482" y="2335014"/>
             <a:ext cx="7554897" cy="2883290"/>
           </a:xfrm>
           <a:prstGeom prst="rect">
@@ -7768,7 +7911,7 @@
 </p:sld>
 </file>
 
-<file path=ppt/slides/slide18.xml><?xml version="1.0" encoding="utf-8"?>
+<file path=ppt/slides/slide19.xml><?xml version="1.0" encoding="utf-8"?>
 <p:sld xmlns:a="http://schemas.openxmlformats.org/drawingml/2006/main" xmlns:r="http://schemas.openxmlformats.org/officeDocument/2006/relationships" xmlns:p="http://schemas.openxmlformats.org/presentationml/2006/main">
   <p:cSld>
     <p:spTree>
@@ -9817,12 +9960,59 @@
           <a:chExt cx="0" cy="0"/>
         </a:xfrm>
       </p:grpSpPr>
-      <p:sp>
-        <p:nvSpPr>
-          <p:cNvPr id="4" name="TextBox 3">
+      <p:pic>
+        <p:nvPicPr>
+          <p:cNvPr id="2" name="Picture 2" descr="Cloud computing - Wikipedia">
             <a:extLst>
               <a:ext uri="{FF2B5EF4-FFF2-40B4-BE49-F238E27FC236}">
-                <a16:creationId xmlns:a16="http://schemas.microsoft.com/office/drawing/2014/main" id="{2818584A-8497-C0CD-263A-52ACC8DDB77C}"/>
+                <a16:creationId xmlns:a16="http://schemas.microsoft.com/office/drawing/2014/main" id="{F9695865-1DD4-EF67-994A-16D2E0F36676}"/>
+              </a:ext>
+            </a:extLst>
+          </p:cNvPr>
+          <p:cNvPicPr>
+            <a:picLocks noChangeAspect="1" noChangeArrowheads="1"/>
+          </p:cNvPicPr>
+          <p:nvPr/>
+        </p:nvPicPr>
+        <p:blipFill>
+          <a:blip r:embed="rId2">
+            <a:extLst>
+              <a:ext uri="{28A0092B-C50C-407E-A947-70E740481C1C}">
+                <a14:useLocalDpi xmlns:a14="http://schemas.microsoft.com/office/drawing/2010/main" val="0"/>
+              </a:ext>
+            </a:extLst>
+          </a:blip>
+          <a:srcRect/>
+          <a:stretch>
+            <a:fillRect/>
+          </a:stretch>
+        </p:blipFill>
+        <p:spPr bwMode="auto">
+          <a:xfrm>
+            <a:off x="3366257" y="639214"/>
+            <a:ext cx="6159484" cy="5579571"/>
+          </a:xfrm>
+          <a:prstGeom prst="rect">
+            <a:avLst/>
+          </a:prstGeom>
+          <a:noFill/>
+          <a:extLst>
+            <a:ext uri="{909E8E84-426E-40DD-AFC4-6F175D3DCCD1}">
+              <a14:hiddenFill xmlns:a14="http://schemas.microsoft.com/office/drawing/2010/main">
+                <a:solidFill>
+                  <a:srgbClr val="FFFFFF"/>
+                </a:solidFill>
+              </a14:hiddenFill>
+            </a:ext>
+          </a:extLst>
+        </p:spPr>
+      </p:pic>
+      <p:sp>
+        <p:nvSpPr>
+          <p:cNvPr id="3" name="TextBox 2">
+            <a:extLst>
+              <a:ext uri="{FF2B5EF4-FFF2-40B4-BE49-F238E27FC236}">
+                <a16:creationId xmlns:a16="http://schemas.microsoft.com/office/drawing/2014/main" id="{B388FAF2-AE2F-B331-7648-D287B70E72F4}"/>
               </a:ext>
             </a:extLst>
           </p:cNvPr>
@@ -9831,8 +10021,8 @@
         </p:nvSpPr>
         <p:spPr>
           <a:xfrm>
-            <a:off x="2432482" y="2335014"/>
-            <a:ext cx="8273988" cy="1789016"/>
+            <a:off x="3525246" y="6488668"/>
+            <a:ext cx="5841506" cy="369332"/>
           </a:xfrm>
           <a:prstGeom prst="rect">
             <a:avLst/>
@@ -9845,86 +10035,10 @@
           </a:bodyPr>
           <a:lstStyle/>
           <a:p>
-            <a:r>
-              <a:rPr lang="en-US" sz="4000" b="1" dirty="0">
-                <a:effectLst/>
-                <a:latin typeface="Calibri" panose="020F0502020204030204" pitchFamily="34" charset="0"/>
-                <a:ea typeface="Calibri" panose="020F0502020204030204" pitchFamily="34" charset="0"/>
-                <a:cs typeface="Arial" panose="020B0604020202020204" pitchFamily="34" charset="0"/>
-              </a:rPr>
-              <a:t>Ethical considerations of </a:t>
-            </a:r>
-            <a:r>
-              <a:rPr lang="en-US" sz="4000" b="1" dirty="0" err="1">
-                <a:effectLst/>
-                <a:latin typeface="Calibri" panose="020F0502020204030204" pitchFamily="34" charset="0"/>
-                <a:ea typeface="Calibri" panose="020F0502020204030204" pitchFamily="34" charset="0"/>
-                <a:cs typeface="Arial" panose="020B0604020202020204" pitchFamily="34" charset="0"/>
-              </a:rPr>
-              <a:t>AIaaS</a:t>
-            </a:r>
-            <a:endParaRPr lang="en-US" sz="4000" b="1" dirty="0">
-              <a:effectLst/>
-              <a:latin typeface="Calibri" panose="020F0502020204030204" pitchFamily="34" charset="0"/>
-              <a:ea typeface="Calibri" panose="020F0502020204030204" pitchFamily="34" charset="0"/>
-              <a:cs typeface="Arial" panose="020B0604020202020204" pitchFamily="34" charset="0"/>
-            </a:endParaRPr>
-          </a:p>
-          <a:p>
-            <a:pPr lvl="1">
-              <a:lnSpc>
-                <a:spcPct val="107000"/>
-              </a:lnSpc>
-              <a:spcAft>
-                <a:spcPts val="800"/>
-              </a:spcAft>
-            </a:pPr>
-            <a:r>
-              <a:rPr lang="en-US" kern="100" dirty="0">
-                <a:effectLst/>
-                <a:latin typeface="Calibri" panose="020F0502020204030204" pitchFamily="34" charset="0"/>
-                <a:ea typeface="Calibri" panose="020F0502020204030204" pitchFamily="34" charset="0"/>
-                <a:cs typeface="Arial" panose="020B0604020202020204" pitchFamily="34" charset="0"/>
-              </a:rPr>
-              <a:t>- Algorithmic bias</a:t>
-            </a:r>
-          </a:p>
-          <a:p>
-            <a:pPr lvl="1">
-              <a:lnSpc>
-                <a:spcPct val="107000"/>
-              </a:lnSpc>
-              <a:spcAft>
-                <a:spcPts val="800"/>
-              </a:spcAft>
-            </a:pPr>
-            <a:r>
-              <a:rPr lang="en-US" kern="100" dirty="0">
-                <a:effectLst/>
-                <a:latin typeface="Calibri" panose="020F0502020204030204" pitchFamily="34" charset="0"/>
-                <a:ea typeface="Calibri" panose="020F0502020204030204" pitchFamily="34" charset="0"/>
-                <a:cs typeface="Arial" panose="020B0604020202020204" pitchFamily="34" charset="0"/>
-              </a:rPr>
-              <a:t>- Responsibility of AI developers</a:t>
-            </a:r>
-          </a:p>
-          <a:p>
-            <a:pPr lvl="1">
-              <a:lnSpc>
-                <a:spcPct val="107000"/>
-              </a:lnSpc>
-              <a:spcAft>
-                <a:spcPts val="800"/>
-              </a:spcAft>
-            </a:pPr>
-            <a:r>
-              <a:rPr lang="en-US" kern="100" dirty="0">
-                <a:effectLst/>
-                <a:latin typeface="Calibri" panose="020F0502020204030204" pitchFamily="34" charset="0"/>
-                <a:ea typeface="Calibri" panose="020F0502020204030204" pitchFamily="34" charset="0"/>
-                <a:cs typeface="Arial" panose="020B0604020202020204" pitchFamily="34" charset="0"/>
-              </a:rPr>
-              <a:t>- Transparency and interpretability of AI models</a:t>
+            <a:pPr algn="ctr"/>
+            <a:r>
+              <a:rPr lang="en-US" dirty="0"/>
+              <a:t>Ref: https://en.wikipedia.org/wiki/Cloud_computing</a:t>
             </a:r>
           </a:p>
         </p:txBody>
@@ -9932,7 +10046,7 @@
     </p:spTree>
     <p:extLst>
       <p:ext uri="{BB962C8B-B14F-4D97-AF65-F5344CB8AC3E}">
-        <p14:creationId xmlns:p14="http://schemas.microsoft.com/office/powerpoint/2010/main" val="1382418732"/>
+        <p14:creationId xmlns:p14="http://schemas.microsoft.com/office/powerpoint/2010/main" val="335406066"/>
       </p:ext>
     </p:extLst>
   </p:cSld>
